--- a/Presentation.pptx
+++ b/Presentation.pptx
@@ -9,29 +9,30 @@
     <p:sldId id="258" r:id="rId3"/>
     <p:sldId id="286" r:id="rId4"/>
     <p:sldId id="287" r:id="rId5"/>
-    <p:sldId id="288" r:id="rId6"/>
-    <p:sldId id="290" r:id="rId7"/>
-    <p:sldId id="289" r:id="rId8"/>
-    <p:sldId id="259" r:id="rId9"/>
-    <p:sldId id="303" r:id="rId10"/>
-    <p:sldId id="291" r:id="rId11"/>
-    <p:sldId id="292" r:id="rId12"/>
-    <p:sldId id="293" r:id="rId13"/>
-    <p:sldId id="271" r:id="rId14"/>
-    <p:sldId id="272" r:id="rId15"/>
-    <p:sldId id="273" r:id="rId16"/>
-    <p:sldId id="294" r:id="rId17"/>
-    <p:sldId id="304" r:id="rId18"/>
-    <p:sldId id="285" r:id="rId19"/>
-    <p:sldId id="297" r:id="rId20"/>
-    <p:sldId id="298" r:id="rId21"/>
-    <p:sldId id="299" r:id="rId22"/>
-    <p:sldId id="300" r:id="rId23"/>
-    <p:sldId id="295" r:id="rId24"/>
-    <p:sldId id="301" r:id="rId25"/>
-    <p:sldId id="302" r:id="rId26"/>
-    <p:sldId id="296" r:id="rId27"/>
-    <p:sldId id="270" r:id="rId28"/>
+    <p:sldId id="305" r:id="rId6"/>
+    <p:sldId id="288" r:id="rId7"/>
+    <p:sldId id="290" r:id="rId8"/>
+    <p:sldId id="289" r:id="rId9"/>
+    <p:sldId id="259" r:id="rId10"/>
+    <p:sldId id="303" r:id="rId11"/>
+    <p:sldId id="291" r:id="rId12"/>
+    <p:sldId id="292" r:id="rId13"/>
+    <p:sldId id="293" r:id="rId14"/>
+    <p:sldId id="271" r:id="rId15"/>
+    <p:sldId id="272" r:id="rId16"/>
+    <p:sldId id="273" r:id="rId17"/>
+    <p:sldId id="294" r:id="rId18"/>
+    <p:sldId id="304" r:id="rId19"/>
+    <p:sldId id="285" r:id="rId20"/>
+    <p:sldId id="297" r:id="rId21"/>
+    <p:sldId id="298" r:id="rId22"/>
+    <p:sldId id="299" r:id="rId23"/>
+    <p:sldId id="300" r:id="rId24"/>
+    <p:sldId id="295" r:id="rId25"/>
+    <p:sldId id="301" r:id="rId26"/>
+    <p:sldId id="302" r:id="rId27"/>
+    <p:sldId id="296" r:id="rId28"/>
+    <p:sldId id="270" r:id="rId29"/>
   </p:sldIdLst>
   <p:sldSz cx="12192000" cy="6858000"/>
   <p:notesSz cx="6858000" cy="9144000"/>
@@ -278,7 +279,7 @@
             <a:fld id="{B61BEF0D-F0BB-DE4B-95CE-6DB70DBA9567}" type="datetimeFigureOut">
               <a:rPr lang="en-US" smtClean="0"/>
               <a:pPr/>
-              <a:t>2/18/2019</a:t>
+              <a:t>2/19/2019</a:t>
             </a:fld>
             <a:endParaRPr lang="en-US" dirty="0"/>
           </a:p>
@@ -497,7 +498,7 @@
             <a:fld id="{B61BEF0D-F0BB-DE4B-95CE-6DB70DBA9567}" type="datetimeFigureOut">
               <a:rPr lang="en-US" smtClean="0"/>
               <a:pPr/>
-              <a:t>2/18/2019</a:t>
+              <a:t>2/19/2019</a:t>
             </a:fld>
             <a:endParaRPr lang="en-US" dirty="0"/>
           </a:p>
@@ -720,7 +721,7 @@
             <a:fld id="{B61BEF0D-F0BB-DE4B-95CE-6DB70DBA9567}" type="datetimeFigureOut">
               <a:rPr lang="en-US" smtClean="0"/>
               <a:pPr/>
-              <a:t>2/18/2019</a:t>
+              <a:t>2/19/2019</a:t>
             </a:fld>
             <a:endParaRPr lang="en-US" dirty="0"/>
           </a:p>
@@ -929,7 +930,7 @@
             <a:fld id="{B61BEF0D-F0BB-DE4B-95CE-6DB70DBA9567}" type="datetimeFigureOut">
               <a:rPr lang="en-US" smtClean="0"/>
               <a:pPr/>
-              <a:t>2/18/2019</a:t>
+              <a:t>2/19/2019</a:t>
             </a:fld>
             <a:endParaRPr lang="en-US" dirty="0"/>
           </a:p>
@@ -1216,7 +1217,7 @@
             <a:fld id="{B61BEF0D-F0BB-DE4B-95CE-6DB70DBA9567}" type="datetimeFigureOut">
               <a:rPr lang="en-US" smtClean="0"/>
               <a:pPr/>
-              <a:t>2/18/2019</a:t>
+              <a:t>2/19/2019</a:t>
             </a:fld>
             <a:endParaRPr lang="en-US" dirty="0"/>
           </a:p>
@@ -1492,7 +1493,7 @@
             <a:fld id="{B61BEF0D-F0BB-DE4B-95CE-6DB70DBA9567}" type="datetimeFigureOut">
               <a:rPr lang="en-US" smtClean="0"/>
               <a:pPr/>
-              <a:t>2/18/2019</a:t>
+              <a:t>2/19/2019</a:t>
             </a:fld>
             <a:endParaRPr lang="en-US" dirty="0"/>
           </a:p>
@@ -1916,7 +1917,7 @@
             <a:fld id="{B61BEF0D-F0BB-DE4B-95CE-6DB70DBA9567}" type="datetimeFigureOut">
               <a:rPr lang="en-US" smtClean="0"/>
               <a:pPr/>
-              <a:t>2/18/2019</a:t>
+              <a:t>2/19/2019</a:t>
             </a:fld>
             <a:endParaRPr lang="en-US" dirty="0"/>
           </a:p>
@@ -2073,7 +2074,7 @@
             <a:fld id="{B61BEF0D-F0BB-DE4B-95CE-6DB70DBA9567}" type="datetimeFigureOut">
               <a:rPr lang="en-US" smtClean="0"/>
               <a:pPr/>
-              <a:t>2/18/2019</a:t>
+              <a:t>2/19/2019</a:t>
             </a:fld>
             <a:endParaRPr lang="en-US" dirty="0"/>
           </a:p>
@@ -2207,7 +2208,7 @@
             <a:fld id="{B61BEF0D-F0BB-DE4B-95CE-6DB70DBA9567}" type="datetimeFigureOut">
               <a:rPr lang="en-US" smtClean="0"/>
               <a:pPr/>
-              <a:t>2/18/2019</a:t>
+              <a:t>2/19/2019</a:t>
             </a:fld>
             <a:endParaRPr lang="en-US" dirty="0"/>
           </a:p>
@@ -2460,7 +2461,7 @@
             <a:fld id="{B61BEF0D-F0BB-DE4B-95CE-6DB70DBA9567}" type="datetimeFigureOut">
               <a:rPr lang="en-US" smtClean="0"/>
               <a:pPr/>
-              <a:t>2/18/2019</a:t>
+              <a:t>2/19/2019</a:t>
             </a:fld>
             <a:endParaRPr lang="en-US" dirty="0"/>
           </a:p>
@@ -2917,7 +2918,7 @@
             <a:fld id="{B61BEF0D-F0BB-DE4B-95CE-6DB70DBA9567}" type="datetimeFigureOut">
               <a:rPr lang="en-US" smtClean="0"/>
               <a:pPr/>
-              <a:t>2/18/2019</a:t>
+              <a:t>2/19/2019</a:t>
             </a:fld>
             <a:endParaRPr lang="en-US" dirty="0"/>
           </a:p>
@@ -3245,7 +3246,7 @@
             <a:fld id="{B61BEF0D-F0BB-DE4B-95CE-6DB70DBA9567}" type="datetimeFigureOut">
               <a:rPr lang="en-US" smtClean="0"/>
               <a:pPr/>
-              <a:t>2/18/2019</a:t>
+              <a:t>2/19/2019</a:t>
             </a:fld>
             <a:endParaRPr lang="en-US" dirty="0"/>
           </a:p>
@@ -3769,7 +3770,7 @@
                   </a:schemeClr>
                 </a:solidFill>
               </a:rPr>
-              <a:t>Sport events management mobile application</a:t>
+              <a:t>Sports events management mobile application</a:t>
             </a:r>
           </a:p>
         </p:txBody>
@@ -3951,6 +3952,424 @@
 </file>
 
 <file path=ppt/slides/slide10.xml><?xml version="1.0" encoding="utf-8"?>
+<p:sld xmlns:a="http://schemas.openxmlformats.org/drawingml/2006/main" xmlns:r="http://schemas.openxmlformats.org/officeDocument/2006/relationships" xmlns:p="http://schemas.openxmlformats.org/presentationml/2006/main">
+  <p:cSld>
+    <p:spTree>
+      <p:nvGrpSpPr>
+        <p:cNvPr id="1" name=""/>
+        <p:cNvGrpSpPr/>
+        <p:nvPr/>
+      </p:nvGrpSpPr>
+      <p:grpSpPr>
+        <a:xfrm>
+          <a:off x="0" y="0"/>
+          <a:ext cx="0" cy="0"/>
+          <a:chOff x="0" y="0"/>
+          <a:chExt cx="0" cy="0"/>
+        </a:xfrm>
+      </p:grpSpPr>
+      <p:sp>
+        <p:nvSpPr>
+          <p:cNvPr id="14" name="Title 1">
+            <a:extLst>
+              <a:ext uri="{FF2B5EF4-FFF2-40B4-BE49-F238E27FC236}">
+                <a16:creationId xmlns:a16="http://schemas.microsoft.com/office/drawing/2014/main" id="{BE9989A6-DE47-4068-92A0-19EDB6E565C6}"/>
+              </a:ext>
+            </a:extLst>
+          </p:cNvPr>
+          <p:cNvSpPr txBox="1">
+            <a:spLocks/>
+          </p:cNvSpPr>
+          <p:nvPr/>
+        </p:nvSpPr>
+        <p:spPr>
+          <a:xfrm>
+            <a:off x="2515394" y="-132520"/>
+            <a:ext cx="7161212" cy="874643"/>
+          </a:xfrm>
+          <a:prstGeom prst="rect">
+            <a:avLst/>
+          </a:prstGeom>
+        </p:spPr>
+        <p:txBody>
+          <a:bodyPr vert="horz" lIns="91440" tIns="45720" rIns="91440" bIns="0" rtlCol="0" anchor="b">
+            <a:normAutofit fontScale="97500"/>
+          </a:bodyPr>
+          <a:lstStyle>
+            <a:lvl1pPr algn="l" defTabSz="914400" rtl="0" eaLnBrk="1" latinLnBrk="0" hangingPunct="1">
+              <a:lnSpc>
+                <a:spcPct val="90000"/>
+              </a:lnSpc>
+              <a:spcBef>
+                <a:spcPct val="0"/>
+              </a:spcBef>
+              <a:buNone/>
+              <a:defRPr sz="6600" b="0" i="0" kern="1200" cap="none">
+                <a:solidFill>
+                  <a:schemeClr val="tx1"/>
+                </a:solidFill>
+                <a:effectLst/>
+                <a:latin typeface="+mj-lt"/>
+                <a:ea typeface="+mj-ea"/>
+                <a:cs typeface="+mj-cs"/>
+              </a:defRPr>
+            </a:lvl1pPr>
+          </a:lstStyle>
+          <a:p>
+            <a:pPr algn="ctr"/>
+            <a:r>
+              <a:rPr lang="en-US" sz="5000" b="1" dirty="0">
+                <a:solidFill>
+                  <a:schemeClr val="accent2">
+                    <a:lumMod val="75000"/>
+                  </a:schemeClr>
+                </a:solidFill>
+              </a:rPr>
+              <a:t>Background</a:t>
+            </a:r>
+          </a:p>
+        </p:txBody>
+      </p:sp>
+      <p:sp>
+        <p:nvSpPr>
+          <p:cNvPr id="4" name="Subtitle 2">
+            <a:extLst>
+              <a:ext uri="{FF2B5EF4-FFF2-40B4-BE49-F238E27FC236}">
+                <a16:creationId xmlns:a16="http://schemas.microsoft.com/office/drawing/2014/main" id="{5F3D4A46-D59A-47F9-A68B-C6474245EEDE}"/>
+              </a:ext>
+            </a:extLst>
+          </p:cNvPr>
+          <p:cNvSpPr txBox="1">
+            <a:spLocks/>
+          </p:cNvSpPr>
+          <p:nvPr/>
+        </p:nvSpPr>
+        <p:spPr>
+          <a:xfrm>
+            <a:off x="0" y="1449459"/>
+            <a:ext cx="2343115" cy="1346750"/>
+          </a:xfrm>
+          <a:prstGeom prst="rect">
+            <a:avLst/>
+          </a:prstGeom>
+        </p:spPr>
+        <p:txBody>
+          <a:bodyPr vert="horz" lIns="91440" tIns="45720" rIns="91440" bIns="45720" rtlCol="0" anchor="t">
+            <a:normAutofit/>
+          </a:bodyPr>
+          <a:lstStyle>
+            <a:lvl1pPr marL="0" indent="0" algn="l" defTabSz="457200" rtl="0" eaLnBrk="1" latinLnBrk="0" hangingPunct="1">
+              <a:spcBef>
+                <a:spcPct val="20000"/>
+              </a:spcBef>
+              <a:spcAft>
+                <a:spcPts val="600"/>
+              </a:spcAft>
+              <a:buClr>
+                <a:schemeClr val="tx1"/>
+              </a:buClr>
+              <a:buSzPct val="80000"/>
+              <a:buFont typeface="Wingdings 3" panose="05040102010807070707" pitchFamily="18" charset="2"/>
+              <a:buNone/>
+              <a:defRPr sz="2100" kern="1200" cap="none">
+                <a:solidFill>
+                  <a:schemeClr val="bg2">
+                    <a:lumMod val="75000"/>
+                  </a:schemeClr>
+                </a:solidFill>
+                <a:effectLst/>
+                <a:latin typeface="+mn-lt"/>
+                <a:ea typeface="+mn-ea"/>
+                <a:cs typeface="+mn-cs"/>
+              </a:defRPr>
+            </a:lvl1pPr>
+            <a:lvl2pPr marL="457200" indent="0" algn="ctr" defTabSz="457200" rtl="0" eaLnBrk="1" latinLnBrk="0" hangingPunct="1">
+              <a:spcBef>
+                <a:spcPct val="20000"/>
+              </a:spcBef>
+              <a:spcAft>
+                <a:spcPts val="600"/>
+              </a:spcAft>
+              <a:buClr>
+                <a:schemeClr val="tx1"/>
+              </a:buClr>
+              <a:buSzPct val="80000"/>
+              <a:buFont typeface="Wingdings 3" panose="05040102010807070707" pitchFamily="18" charset="2"/>
+              <a:buNone/>
+              <a:defRPr sz="1800" kern="1200" cap="none">
+                <a:solidFill>
+                  <a:schemeClr val="tx1">
+                    <a:tint val="75000"/>
+                  </a:schemeClr>
+                </a:solidFill>
+                <a:effectLst/>
+                <a:latin typeface="+mn-lt"/>
+                <a:ea typeface="+mn-ea"/>
+                <a:cs typeface="+mn-cs"/>
+              </a:defRPr>
+            </a:lvl2pPr>
+            <a:lvl3pPr marL="914400" indent="0" algn="ctr" defTabSz="457200" rtl="0" eaLnBrk="1" latinLnBrk="0" hangingPunct="1">
+              <a:spcBef>
+                <a:spcPct val="20000"/>
+              </a:spcBef>
+              <a:spcAft>
+                <a:spcPts val="600"/>
+              </a:spcAft>
+              <a:buClr>
+                <a:schemeClr val="tx1"/>
+              </a:buClr>
+              <a:buSzPct val="80000"/>
+              <a:buFont typeface="Wingdings 3" panose="05040102010807070707" pitchFamily="18" charset="2"/>
+              <a:buNone/>
+              <a:defRPr sz="1600" kern="1200" cap="none">
+                <a:solidFill>
+                  <a:schemeClr val="tx1">
+                    <a:tint val="75000"/>
+                  </a:schemeClr>
+                </a:solidFill>
+                <a:effectLst/>
+                <a:latin typeface="+mn-lt"/>
+                <a:ea typeface="+mn-ea"/>
+                <a:cs typeface="+mn-cs"/>
+              </a:defRPr>
+            </a:lvl3pPr>
+            <a:lvl4pPr marL="1371600" indent="0" algn="ctr" defTabSz="457200" rtl="0" eaLnBrk="1" latinLnBrk="0" hangingPunct="1">
+              <a:spcBef>
+                <a:spcPct val="20000"/>
+              </a:spcBef>
+              <a:spcAft>
+                <a:spcPts val="600"/>
+              </a:spcAft>
+              <a:buClr>
+                <a:schemeClr val="tx1"/>
+              </a:buClr>
+              <a:buSzPct val="80000"/>
+              <a:buFont typeface="Wingdings 3" panose="05040102010807070707" pitchFamily="18" charset="2"/>
+              <a:buNone/>
+              <a:defRPr sz="1400" kern="1200" cap="none">
+                <a:solidFill>
+                  <a:schemeClr val="tx1">
+                    <a:tint val="75000"/>
+                  </a:schemeClr>
+                </a:solidFill>
+                <a:effectLst/>
+                <a:latin typeface="+mn-lt"/>
+                <a:ea typeface="+mn-ea"/>
+                <a:cs typeface="+mn-cs"/>
+              </a:defRPr>
+            </a:lvl4pPr>
+            <a:lvl5pPr marL="1828800" indent="0" algn="ctr" defTabSz="457200" rtl="0" eaLnBrk="1" latinLnBrk="0" hangingPunct="1">
+              <a:spcBef>
+                <a:spcPct val="20000"/>
+              </a:spcBef>
+              <a:spcAft>
+                <a:spcPts val="600"/>
+              </a:spcAft>
+              <a:buClr>
+                <a:schemeClr val="tx1"/>
+              </a:buClr>
+              <a:buSzPct val="80000"/>
+              <a:buFont typeface="Wingdings 3" panose="05040102010807070707" pitchFamily="18" charset="2"/>
+              <a:buNone/>
+              <a:defRPr sz="1400" kern="1200" cap="none">
+                <a:solidFill>
+                  <a:schemeClr val="tx1">
+                    <a:tint val="75000"/>
+                  </a:schemeClr>
+                </a:solidFill>
+                <a:effectLst/>
+                <a:latin typeface="+mn-lt"/>
+                <a:ea typeface="+mn-ea"/>
+                <a:cs typeface="+mn-cs"/>
+              </a:defRPr>
+            </a:lvl5pPr>
+            <a:lvl6pPr marL="2286000" indent="0" algn="ctr" defTabSz="457200" rtl="0" eaLnBrk="1" latinLnBrk="0" hangingPunct="1">
+              <a:spcBef>
+                <a:spcPct val="20000"/>
+              </a:spcBef>
+              <a:spcAft>
+                <a:spcPts val="600"/>
+              </a:spcAft>
+              <a:buClr>
+                <a:schemeClr val="tx1"/>
+              </a:buClr>
+              <a:buSzPct val="80000"/>
+              <a:buFont typeface="Wingdings 3" panose="05040102010807070707" pitchFamily="18" charset="2"/>
+              <a:buNone/>
+              <a:defRPr sz="1400" kern="1200" cap="none">
+                <a:solidFill>
+                  <a:schemeClr val="tx1">
+                    <a:tint val="75000"/>
+                  </a:schemeClr>
+                </a:solidFill>
+                <a:effectLst/>
+                <a:latin typeface="+mn-lt"/>
+                <a:ea typeface="+mn-ea"/>
+                <a:cs typeface="+mn-cs"/>
+              </a:defRPr>
+            </a:lvl6pPr>
+            <a:lvl7pPr marL="2743200" indent="0" algn="ctr" defTabSz="457200" rtl="0" eaLnBrk="1" latinLnBrk="0" hangingPunct="1">
+              <a:spcBef>
+                <a:spcPct val="20000"/>
+              </a:spcBef>
+              <a:spcAft>
+                <a:spcPts val="600"/>
+              </a:spcAft>
+              <a:buClr>
+                <a:schemeClr val="tx1"/>
+              </a:buClr>
+              <a:buSzPct val="80000"/>
+              <a:buFont typeface="Wingdings 3" panose="05040102010807070707" pitchFamily="18" charset="2"/>
+              <a:buNone/>
+              <a:defRPr sz="1400" kern="1200" cap="none">
+                <a:solidFill>
+                  <a:schemeClr val="tx1">
+                    <a:tint val="75000"/>
+                  </a:schemeClr>
+                </a:solidFill>
+                <a:effectLst/>
+                <a:latin typeface="+mn-lt"/>
+                <a:ea typeface="+mn-ea"/>
+                <a:cs typeface="+mn-cs"/>
+              </a:defRPr>
+            </a:lvl7pPr>
+            <a:lvl8pPr marL="3200400" indent="0" algn="ctr" defTabSz="457200" rtl="0" eaLnBrk="1" latinLnBrk="0" hangingPunct="1">
+              <a:spcBef>
+                <a:spcPct val="20000"/>
+              </a:spcBef>
+              <a:spcAft>
+                <a:spcPts val="600"/>
+              </a:spcAft>
+              <a:buClr>
+                <a:schemeClr val="tx1"/>
+              </a:buClr>
+              <a:buSzPct val="80000"/>
+              <a:buFont typeface="Wingdings 3" panose="05040102010807070707" pitchFamily="18" charset="2"/>
+              <a:buNone/>
+              <a:defRPr sz="1400" kern="1200" cap="none">
+                <a:solidFill>
+                  <a:schemeClr val="tx1">
+                    <a:tint val="75000"/>
+                  </a:schemeClr>
+                </a:solidFill>
+                <a:effectLst/>
+                <a:latin typeface="+mn-lt"/>
+                <a:ea typeface="+mn-ea"/>
+                <a:cs typeface="+mn-cs"/>
+              </a:defRPr>
+            </a:lvl8pPr>
+            <a:lvl9pPr marL="3657600" indent="0" algn="ctr" defTabSz="457200" rtl="0" eaLnBrk="1" latinLnBrk="0" hangingPunct="1">
+              <a:spcBef>
+                <a:spcPct val="20000"/>
+              </a:spcBef>
+              <a:spcAft>
+                <a:spcPts val="600"/>
+              </a:spcAft>
+              <a:buClr>
+                <a:schemeClr val="tx1"/>
+              </a:buClr>
+              <a:buSzPct val="80000"/>
+              <a:buFont typeface="Wingdings 3" panose="05040102010807070707" pitchFamily="18" charset="2"/>
+              <a:buNone/>
+              <a:defRPr sz="1400" kern="1200" cap="none">
+                <a:solidFill>
+                  <a:schemeClr val="tx1">
+                    <a:tint val="75000"/>
+                  </a:schemeClr>
+                </a:solidFill>
+                <a:effectLst/>
+                <a:latin typeface="+mn-lt"/>
+                <a:ea typeface="+mn-ea"/>
+                <a:cs typeface="+mn-cs"/>
+              </a:defRPr>
+            </a:lvl9pPr>
+          </a:lstStyle>
+          <a:p>
+            <a:r>
+              <a:rPr lang="en-US" sz="3000" b="1" dirty="0">
+                <a:solidFill>
+                  <a:srgbClr val="FF0000"/>
+                </a:solidFill>
+                <a:latin typeface="Aharoni" panose="020B0604020202020204" pitchFamily="2" charset="-79"/>
+                <a:cs typeface="Aharoni" panose="020B0604020202020204" pitchFamily="2" charset="-79"/>
+              </a:rPr>
+              <a:t>Flux architecture</a:t>
+            </a:r>
+            <a:endParaRPr lang="en-US" sz="3000" dirty="0">
+              <a:solidFill>
+                <a:srgbClr val="FF0000"/>
+              </a:solidFill>
+              <a:latin typeface="Aharoni" panose="020B0604020202020204" pitchFamily="2" charset="-79"/>
+              <a:cs typeface="Aharoni" panose="020B0604020202020204" pitchFamily="2" charset="-79"/>
+            </a:endParaRPr>
+          </a:p>
+        </p:txBody>
+      </p:sp>
+      <p:pic>
+        <p:nvPicPr>
+          <p:cNvPr id="7" name="Picture 6" descr="https://static.reactvn.org/original/1X/bea74b5c8b657ad261153d2110c7b27fa93a39ab.png">
+            <a:extLst>
+              <a:ext uri="{FF2B5EF4-FFF2-40B4-BE49-F238E27FC236}">
+                <a16:creationId xmlns:a16="http://schemas.microsoft.com/office/drawing/2014/main" id="{C212FBDD-1FCC-4C16-9FCC-29C6A9128F9D}"/>
+              </a:ext>
+            </a:extLst>
+          </p:cNvPr>
+          <p:cNvPicPr/>
+          <p:nvPr/>
+        </p:nvPicPr>
+        <p:blipFill>
+          <a:blip r:embed="rId2">
+            <a:extLst>
+              <a:ext uri="{28A0092B-C50C-407E-A947-70E740481C1C}">
+                <a14:useLocalDpi xmlns:a14="http://schemas.microsoft.com/office/drawing/2010/main" val="0"/>
+              </a:ext>
+            </a:extLst>
+          </a:blip>
+          <a:srcRect/>
+          <a:stretch>
+            <a:fillRect/>
+          </a:stretch>
+        </p:blipFill>
+        <p:spPr bwMode="auto">
+          <a:xfrm>
+            <a:off x="2316611" y="791817"/>
+            <a:ext cx="8696103" cy="4174435"/>
+          </a:xfrm>
+          <a:prstGeom prst="rect">
+            <a:avLst/>
+          </a:prstGeom>
+          <a:noFill/>
+          <a:ln>
+            <a:noFill/>
+          </a:ln>
+        </p:spPr>
+      </p:pic>
+    </p:spTree>
+    <p:extLst>
+      <p:ext uri="{BB962C8B-B14F-4D97-AF65-F5344CB8AC3E}">
+        <p14:creationId xmlns:p14="http://schemas.microsoft.com/office/powerpoint/2010/main" val="2328477841"/>
+      </p:ext>
+    </p:extLst>
+  </p:cSld>
+  <p:clrMapOvr>
+    <a:masterClrMapping/>
+  </p:clrMapOvr>
+  <mc:AlternateContent xmlns:mc="http://schemas.openxmlformats.org/markup-compatibility/2006" xmlns:p14="http://schemas.microsoft.com/office/powerpoint/2010/main">
+    <mc:Choice Requires="p14">
+      <p:transition>
+        <p14:reveal/>
+      </p:transition>
+    </mc:Choice>
+    <mc:Fallback xmlns="">
+      <p:transition>
+        <p:fade/>
+      </p:transition>
+    </mc:Fallback>
+  </mc:AlternateContent>
+</p:sld>
+</file>
+
+<file path=ppt/slides/slide11.xml><?xml version="1.0" encoding="utf-8"?>
 <p:sld xmlns:a="http://schemas.openxmlformats.org/drawingml/2006/main" xmlns:r="http://schemas.openxmlformats.org/officeDocument/2006/relationships" xmlns:p="http://schemas.openxmlformats.org/presentationml/2006/main">
   <p:cSld>
     <p:spTree>
@@ -5013,7 +5432,7 @@
 </p:sld>
 </file>
 
-<file path=ppt/slides/slide11.xml><?xml version="1.0" encoding="utf-8"?>
+<file path=ppt/slides/slide12.xml><?xml version="1.0" encoding="utf-8"?>
 <p:sld xmlns:a="http://schemas.openxmlformats.org/drawingml/2006/main" xmlns:r="http://schemas.openxmlformats.org/officeDocument/2006/relationships" xmlns:p="http://schemas.openxmlformats.org/presentationml/2006/main">
   <p:cSld>
     <p:spTree>
@@ -5820,7 +6239,7 @@
 </p:sld>
 </file>
 
-<file path=ppt/slides/slide12.xml><?xml version="1.0" encoding="utf-8"?>
+<file path=ppt/slides/slide13.xml><?xml version="1.0" encoding="utf-8"?>
 <p:sld xmlns:a="http://schemas.openxmlformats.org/drawingml/2006/main" xmlns:r="http://schemas.openxmlformats.org/officeDocument/2006/relationships" xmlns:p="http://schemas.openxmlformats.org/presentationml/2006/main">
   <p:cSld>
     <p:spTree>
@@ -6527,7 +6946,7 @@
 </p:sld>
 </file>
 
-<file path=ppt/slides/slide13.xml><?xml version="1.0" encoding="utf-8"?>
+<file path=ppt/slides/slide14.xml><?xml version="1.0" encoding="utf-8"?>
 <p:sld xmlns:a="http://schemas.openxmlformats.org/drawingml/2006/main" xmlns:r="http://schemas.openxmlformats.org/officeDocument/2006/relationships" xmlns:p="http://schemas.openxmlformats.org/presentationml/2006/main">
   <p:cSld>
     <p:spTree>
@@ -7223,13 +7642,13 @@
   <p:clrMapOvr>
     <a:masterClrMapping/>
   </p:clrMapOvr>
-  <mc:AlternateContent xmlns:mc="http://schemas.openxmlformats.org/markup-compatibility/2006">
-    <mc:Choice xmlns:p14="http://schemas.microsoft.com/office/powerpoint/2010/main" Requires="p14">
+  <mc:AlternateContent xmlns:mc="http://schemas.openxmlformats.org/markup-compatibility/2006" xmlns:p14="http://schemas.microsoft.com/office/powerpoint/2010/main">
+    <mc:Choice Requires="p14">
       <p:transition>
         <p14:reveal/>
       </p:transition>
     </mc:Choice>
-    <mc:Fallback>
+    <mc:Fallback xmlns="">
       <p:transition>
         <p:fade/>
       </p:transition>
@@ -7940,7 +8359,7 @@
 </p:sld>
 </file>
 
-<file path=ppt/slides/slide14.xml><?xml version="1.0" encoding="utf-8"?>
+<file path=ppt/slides/slide15.xml><?xml version="1.0" encoding="utf-8"?>
 <p:sld xmlns:a="http://schemas.openxmlformats.org/drawingml/2006/main" xmlns:r="http://schemas.openxmlformats.org/officeDocument/2006/relationships" xmlns:p="http://schemas.openxmlformats.org/presentationml/2006/main">
   <p:cSld>
     <p:spTree>
@@ -8660,13 +9079,13 @@
   <p:clrMapOvr>
     <a:masterClrMapping/>
   </p:clrMapOvr>
-  <mc:AlternateContent xmlns:mc="http://schemas.openxmlformats.org/markup-compatibility/2006">
-    <mc:Choice xmlns:p14="http://schemas.microsoft.com/office/powerpoint/2010/main" Requires="p14">
+  <mc:AlternateContent xmlns:mc="http://schemas.openxmlformats.org/markup-compatibility/2006" xmlns:p14="http://schemas.microsoft.com/office/powerpoint/2010/main">
+    <mc:Choice Requires="p14">
       <p:transition>
         <p14:reveal/>
       </p:transition>
     </mc:Choice>
-    <mc:Fallback>
+    <mc:Fallback xmlns="">
       <p:transition>
         <p:fade/>
       </p:transition>
@@ -9091,7 +9510,7 @@
 </p:sld>
 </file>
 
-<file path=ppt/slides/slide15.xml><?xml version="1.0" encoding="utf-8"?>
+<file path=ppt/slides/slide16.xml><?xml version="1.0" encoding="utf-8"?>
 <p:sld xmlns:a="http://schemas.openxmlformats.org/drawingml/2006/main" xmlns:r="http://schemas.openxmlformats.org/officeDocument/2006/relationships" xmlns:p="http://schemas.openxmlformats.org/presentationml/2006/main">
   <p:cSld>
     <p:spTree>
@@ -9697,13 +10116,13 @@
   <p:clrMapOvr>
     <a:masterClrMapping/>
   </p:clrMapOvr>
-  <mc:AlternateContent xmlns:mc="http://schemas.openxmlformats.org/markup-compatibility/2006">
-    <mc:Choice xmlns:p14="http://schemas.microsoft.com/office/powerpoint/2010/main" Requires="p14">
+  <mc:AlternateContent xmlns:mc="http://schemas.openxmlformats.org/markup-compatibility/2006" xmlns:p14="http://schemas.microsoft.com/office/powerpoint/2010/main">
+    <mc:Choice Requires="p14">
       <p:transition>
         <p14:reveal/>
       </p:transition>
     </mc:Choice>
-    <mc:Fallback>
+    <mc:Fallback xmlns="">
       <p:transition>
         <p:fade/>
       </p:transition>
@@ -10058,7 +10477,7 @@
 </p:sld>
 </file>
 
-<file path=ppt/slides/slide16.xml><?xml version="1.0" encoding="utf-8"?>
+<file path=ppt/slides/slide17.xml><?xml version="1.0" encoding="utf-8"?>
 <p:sld xmlns:a="http://schemas.openxmlformats.org/drawingml/2006/main" xmlns:r="http://schemas.openxmlformats.org/officeDocument/2006/relationships" xmlns:p="http://schemas.openxmlformats.org/presentationml/2006/main">
   <p:cSld>
     <p:spTree>
@@ -10582,7 +11001,27 @@
                 <a:latin typeface="Aharoni" panose="02010803020104030203" pitchFamily="2" charset="-79"/>
                 <a:cs typeface="Aharoni" panose="02010803020104030203" pitchFamily="2" charset="-79"/>
               </a:rPr>
-              <a:t>- Expo SDK provides access to services and calls some general functions like Push Notification, Sign in with Google/Facebook, etc.</a:t>
+              <a:t>- </a:t>
+            </a:r>
+            <a:r>
+              <a:rPr lang="en-US">
+                <a:solidFill>
+                  <a:srgbClr val="000000"/>
+                </a:solidFill>
+                <a:latin typeface="Aharoni" panose="02010803020104030203" pitchFamily="2" charset="-79"/>
+                <a:cs typeface="Aharoni" panose="02010803020104030203" pitchFamily="2" charset="-79"/>
+              </a:rPr>
+              <a:t>Expo makes </a:t>
+            </a:r>
+            <a:r>
+              <a:rPr lang="en-US" dirty="0">
+                <a:solidFill>
+                  <a:srgbClr val="000000"/>
+                </a:solidFill>
+                <a:latin typeface="Aharoni" panose="02010803020104030203" pitchFamily="2" charset="-79"/>
+                <a:cs typeface="Aharoni" panose="02010803020104030203" pitchFamily="2" charset="-79"/>
+              </a:rPr>
+              <a:t>your accession to device’s system functionally (camera, contact, local storage, GPS, etc.).</a:t>
             </a:r>
             <a:endParaRPr lang="en-US" dirty="0">
               <a:latin typeface="Aharoni" panose="02010803020104030203" pitchFamily="2" charset="-79"/>
@@ -10971,7 +11410,7 @@
 </p:sld>
 </file>
 
-<file path=ppt/slides/slide17.xml><?xml version="1.0" encoding="utf-8"?>
+<file path=ppt/slides/slide18.xml><?xml version="1.0" encoding="utf-8"?>
 <p:sld xmlns:a="http://schemas.openxmlformats.org/drawingml/2006/main" xmlns:r="http://schemas.openxmlformats.org/officeDocument/2006/relationships" xmlns:p="http://schemas.openxmlformats.org/presentationml/2006/main">
   <p:cSld>
     <p:spTree>
@@ -11456,13 +11895,13 @@
   <p:clrMapOvr>
     <a:masterClrMapping/>
   </p:clrMapOvr>
-  <mc:AlternateContent xmlns:mc="http://schemas.openxmlformats.org/markup-compatibility/2006">
-    <mc:Choice xmlns:p14="http://schemas.microsoft.com/office/powerpoint/2010/main" Requires="p14">
+  <mc:AlternateContent xmlns:mc="http://schemas.openxmlformats.org/markup-compatibility/2006" xmlns:p14="http://schemas.microsoft.com/office/powerpoint/2010/main">
+    <mc:Choice Requires="p14">
       <p:transition>
         <p14:reveal/>
       </p:transition>
     </mc:Choice>
-    <mc:Fallback>
+    <mc:Fallback xmlns="">
       <p:transition>
         <p:fade/>
       </p:transition>
@@ -11603,7 +12042,7 @@
 </p:sld>
 </file>
 
-<file path=ppt/slides/slide18.xml><?xml version="1.0" encoding="utf-8"?>
+<file path=ppt/slides/slide19.xml><?xml version="1.0" encoding="utf-8"?>
 <p:sld xmlns:a="http://schemas.openxmlformats.org/drawingml/2006/main" xmlns:r="http://schemas.openxmlformats.org/officeDocument/2006/relationships" xmlns:p="http://schemas.openxmlformats.org/presentationml/2006/main">
   <p:cSld>
     <p:spTree>
@@ -12153,7 +12592,425 @@
 </p:sld>
 </file>
 
-<file path=ppt/slides/slide19.xml><?xml version="1.0" encoding="utf-8"?>
+<file path=ppt/slides/slide2.xml><?xml version="1.0" encoding="utf-8"?>
+<p:sld xmlns:a="http://schemas.openxmlformats.org/drawingml/2006/main" xmlns:r="http://schemas.openxmlformats.org/officeDocument/2006/relationships" xmlns:p="http://schemas.openxmlformats.org/presentationml/2006/main">
+  <p:cSld>
+    <p:spTree>
+      <p:nvGrpSpPr>
+        <p:cNvPr id="1" name=""/>
+        <p:cNvGrpSpPr/>
+        <p:nvPr/>
+      </p:nvGrpSpPr>
+      <p:grpSpPr>
+        <a:xfrm>
+          <a:off x="0" y="0"/>
+          <a:ext cx="0" cy="0"/>
+          <a:chOff x="0" y="0"/>
+          <a:chExt cx="0" cy="0"/>
+        </a:xfrm>
+      </p:grpSpPr>
+      <p:sp>
+        <p:nvSpPr>
+          <p:cNvPr id="2" name="Title 1">
+            <a:extLst>
+              <a:ext uri="{FF2B5EF4-FFF2-40B4-BE49-F238E27FC236}">
+                <a16:creationId xmlns:a16="http://schemas.microsoft.com/office/drawing/2014/main" id="{5DBD03E5-A381-4A7F-B089-2E54FC5138A6}"/>
+              </a:ext>
+            </a:extLst>
+          </p:cNvPr>
+          <p:cNvSpPr>
+            <a:spLocks noGrp="1"/>
+          </p:cNvSpPr>
+          <p:nvPr>
+            <p:ph type="ctrTitle"/>
+          </p:nvPr>
+        </p:nvSpPr>
+        <p:spPr>
+          <a:xfrm>
+            <a:off x="-151550" y="1816539"/>
+            <a:ext cx="2570920" cy="820644"/>
+          </a:xfrm>
+        </p:spPr>
+        <p:txBody>
+          <a:bodyPr>
+            <a:noAutofit/>
+          </a:bodyPr>
+          <a:lstStyle/>
+          <a:p>
+            <a:pPr algn="ctr"/>
+            <a:r>
+              <a:rPr lang="en-US" sz="4800" b="1" dirty="0">
+                <a:solidFill>
+                  <a:schemeClr val="accent2">
+                    <a:lumMod val="75000"/>
+                  </a:schemeClr>
+                </a:solidFill>
+              </a:rPr>
+              <a:t>Content</a:t>
+            </a:r>
+          </a:p>
+        </p:txBody>
+      </p:sp>
+      <p:sp>
+        <p:nvSpPr>
+          <p:cNvPr id="7" name="Subtitle 2">
+            <a:extLst>
+              <a:ext uri="{FF2B5EF4-FFF2-40B4-BE49-F238E27FC236}">
+                <a16:creationId xmlns:a16="http://schemas.microsoft.com/office/drawing/2014/main" id="{35DEFEA0-45A0-41B5-A540-3D2E6CB612F7}"/>
+              </a:ext>
+            </a:extLst>
+          </p:cNvPr>
+          <p:cNvSpPr txBox="1">
+            <a:spLocks/>
+          </p:cNvSpPr>
+          <p:nvPr/>
+        </p:nvSpPr>
+        <p:spPr>
+          <a:xfrm>
+            <a:off x="2671161" y="769615"/>
+            <a:ext cx="7042682" cy="5432402"/>
+          </a:xfrm>
+          <a:prstGeom prst="rect">
+            <a:avLst/>
+          </a:prstGeom>
+        </p:spPr>
+        <p:txBody>
+          <a:bodyPr vert="horz" lIns="91440" tIns="45720" rIns="91440" bIns="45720" rtlCol="0" anchor="t">
+            <a:noAutofit/>
+          </a:bodyPr>
+          <a:lstStyle>
+            <a:lvl1pPr marL="0" indent="0" algn="l" defTabSz="457200" rtl="0" eaLnBrk="1" latinLnBrk="0" hangingPunct="1">
+              <a:spcBef>
+                <a:spcPct val="20000"/>
+              </a:spcBef>
+              <a:spcAft>
+                <a:spcPts val="600"/>
+              </a:spcAft>
+              <a:buClr>
+                <a:schemeClr val="tx1"/>
+              </a:buClr>
+              <a:buSzPct val="80000"/>
+              <a:buFont typeface="Wingdings 3" panose="05040102010807070707" pitchFamily="18" charset="2"/>
+              <a:buNone/>
+              <a:defRPr sz="2100" kern="1200" cap="none">
+                <a:solidFill>
+                  <a:schemeClr val="bg2">
+                    <a:lumMod val="75000"/>
+                  </a:schemeClr>
+                </a:solidFill>
+                <a:effectLst/>
+                <a:latin typeface="+mn-lt"/>
+                <a:ea typeface="+mn-ea"/>
+                <a:cs typeface="+mn-cs"/>
+              </a:defRPr>
+            </a:lvl1pPr>
+            <a:lvl2pPr marL="457200" indent="0" algn="ctr" defTabSz="457200" rtl="0" eaLnBrk="1" latinLnBrk="0" hangingPunct="1">
+              <a:spcBef>
+                <a:spcPct val="20000"/>
+              </a:spcBef>
+              <a:spcAft>
+                <a:spcPts val="600"/>
+              </a:spcAft>
+              <a:buClr>
+                <a:schemeClr val="tx1"/>
+              </a:buClr>
+              <a:buSzPct val="80000"/>
+              <a:buFont typeface="Wingdings 3" panose="05040102010807070707" pitchFamily="18" charset="2"/>
+              <a:buNone/>
+              <a:defRPr sz="1800" kern="1200" cap="none">
+                <a:solidFill>
+                  <a:schemeClr val="tx1">
+                    <a:tint val="75000"/>
+                  </a:schemeClr>
+                </a:solidFill>
+                <a:effectLst/>
+                <a:latin typeface="+mn-lt"/>
+                <a:ea typeface="+mn-ea"/>
+                <a:cs typeface="+mn-cs"/>
+              </a:defRPr>
+            </a:lvl2pPr>
+            <a:lvl3pPr marL="914400" indent="0" algn="ctr" defTabSz="457200" rtl="0" eaLnBrk="1" latinLnBrk="0" hangingPunct="1">
+              <a:spcBef>
+                <a:spcPct val="20000"/>
+              </a:spcBef>
+              <a:spcAft>
+                <a:spcPts val="600"/>
+              </a:spcAft>
+              <a:buClr>
+                <a:schemeClr val="tx1"/>
+              </a:buClr>
+              <a:buSzPct val="80000"/>
+              <a:buFont typeface="Wingdings 3" panose="05040102010807070707" pitchFamily="18" charset="2"/>
+              <a:buNone/>
+              <a:defRPr sz="1600" kern="1200" cap="none">
+                <a:solidFill>
+                  <a:schemeClr val="tx1">
+                    <a:tint val="75000"/>
+                  </a:schemeClr>
+                </a:solidFill>
+                <a:effectLst/>
+                <a:latin typeface="+mn-lt"/>
+                <a:ea typeface="+mn-ea"/>
+                <a:cs typeface="+mn-cs"/>
+              </a:defRPr>
+            </a:lvl3pPr>
+            <a:lvl4pPr marL="1371600" indent="0" algn="ctr" defTabSz="457200" rtl="0" eaLnBrk="1" latinLnBrk="0" hangingPunct="1">
+              <a:spcBef>
+                <a:spcPct val="20000"/>
+              </a:spcBef>
+              <a:spcAft>
+                <a:spcPts val="600"/>
+              </a:spcAft>
+              <a:buClr>
+                <a:schemeClr val="tx1"/>
+              </a:buClr>
+              <a:buSzPct val="80000"/>
+              <a:buFont typeface="Wingdings 3" panose="05040102010807070707" pitchFamily="18" charset="2"/>
+              <a:buNone/>
+              <a:defRPr sz="1400" kern="1200" cap="none">
+                <a:solidFill>
+                  <a:schemeClr val="tx1">
+                    <a:tint val="75000"/>
+                  </a:schemeClr>
+                </a:solidFill>
+                <a:effectLst/>
+                <a:latin typeface="+mn-lt"/>
+                <a:ea typeface="+mn-ea"/>
+                <a:cs typeface="+mn-cs"/>
+              </a:defRPr>
+            </a:lvl4pPr>
+            <a:lvl5pPr marL="1828800" indent="0" algn="ctr" defTabSz="457200" rtl="0" eaLnBrk="1" latinLnBrk="0" hangingPunct="1">
+              <a:spcBef>
+                <a:spcPct val="20000"/>
+              </a:spcBef>
+              <a:spcAft>
+                <a:spcPts val="600"/>
+              </a:spcAft>
+              <a:buClr>
+                <a:schemeClr val="tx1"/>
+              </a:buClr>
+              <a:buSzPct val="80000"/>
+              <a:buFont typeface="Wingdings 3" panose="05040102010807070707" pitchFamily="18" charset="2"/>
+              <a:buNone/>
+              <a:defRPr sz="1400" kern="1200" cap="none">
+                <a:solidFill>
+                  <a:schemeClr val="tx1">
+                    <a:tint val="75000"/>
+                  </a:schemeClr>
+                </a:solidFill>
+                <a:effectLst/>
+                <a:latin typeface="+mn-lt"/>
+                <a:ea typeface="+mn-ea"/>
+                <a:cs typeface="+mn-cs"/>
+              </a:defRPr>
+            </a:lvl5pPr>
+            <a:lvl6pPr marL="2286000" indent="0" algn="ctr" defTabSz="457200" rtl="0" eaLnBrk="1" latinLnBrk="0" hangingPunct="1">
+              <a:spcBef>
+                <a:spcPct val="20000"/>
+              </a:spcBef>
+              <a:spcAft>
+                <a:spcPts val="600"/>
+              </a:spcAft>
+              <a:buClr>
+                <a:schemeClr val="tx1"/>
+              </a:buClr>
+              <a:buSzPct val="80000"/>
+              <a:buFont typeface="Wingdings 3" panose="05040102010807070707" pitchFamily="18" charset="2"/>
+              <a:buNone/>
+              <a:defRPr sz="1400" kern="1200" cap="none">
+                <a:solidFill>
+                  <a:schemeClr val="tx1">
+                    <a:tint val="75000"/>
+                  </a:schemeClr>
+                </a:solidFill>
+                <a:effectLst/>
+                <a:latin typeface="+mn-lt"/>
+                <a:ea typeface="+mn-ea"/>
+                <a:cs typeface="+mn-cs"/>
+              </a:defRPr>
+            </a:lvl6pPr>
+            <a:lvl7pPr marL="2743200" indent="0" algn="ctr" defTabSz="457200" rtl="0" eaLnBrk="1" latinLnBrk="0" hangingPunct="1">
+              <a:spcBef>
+                <a:spcPct val="20000"/>
+              </a:spcBef>
+              <a:spcAft>
+                <a:spcPts val="600"/>
+              </a:spcAft>
+              <a:buClr>
+                <a:schemeClr val="tx1"/>
+              </a:buClr>
+              <a:buSzPct val="80000"/>
+              <a:buFont typeface="Wingdings 3" panose="05040102010807070707" pitchFamily="18" charset="2"/>
+              <a:buNone/>
+              <a:defRPr sz="1400" kern="1200" cap="none">
+                <a:solidFill>
+                  <a:schemeClr val="tx1">
+                    <a:tint val="75000"/>
+                  </a:schemeClr>
+                </a:solidFill>
+                <a:effectLst/>
+                <a:latin typeface="+mn-lt"/>
+                <a:ea typeface="+mn-ea"/>
+                <a:cs typeface="+mn-cs"/>
+              </a:defRPr>
+            </a:lvl7pPr>
+            <a:lvl8pPr marL="3200400" indent="0" algn="ctr" defTabSz="457200" rtl="0" eaLnBrk="1" latinLnBrk="0" hangingPunct="1">
+              <a:spcBef>
+                <a:spcPct val="20000"/>
+              </a:spcBef>
+              <a:spcAft>
+                <a:spcPts val="600"/>
+              </a:spcAft>
+              <a:buClr>
+                <a:schemeClr val="tx1"/>
+              </a:buClr>
+              <a:buSzPct val="80000"/>
+              <a:buFont typeface="Wingdings 3" panose="05040102010807070707" pitchFamily="18" charset="2"/>
+              <a:buNone/>
+              <a:defRPr sz="1400" kern="1200" cap="none">
+                <a:solidFill>
+                  <a:schemeClr val="tx1">
+                    <a:tint val="75000"/>
+                  </a:schemeClr>
+                </a:solidFill>
+                <a:effectLst/>
+                <a:latin typeface="+mn-lt"/>
+                <a:ea typeface="+mn-ea"/>
+                <a:cs typeface="+mn-cs"/>
+              </a:defRPr>
+            </a:lvl8pPr>
+            <a:lvl9pPr marL="3657600" indent="0" algn="ctr" defTabSz="457200" rtl="0" eaLnBrk="1" latinLnBrk="0" hangingPunct="1">
+              <a:spcBef>
+                <a:spcPct val="20000"/>
+              </a:spcBef>
+              <a:spcAft>
+                <a:spcPts val="600"/>
+              </a:spcAft>
+              <a:buClr>
+                <a:schemeClr val="tx1"/>
+              </a:buClr>
+              <a:buSzPct val="80000"/>
+              <a:buFont typeface="Wingdings 3" panose="05040102010807070707" pitchFamily="18" charset="2"/>
+              <a:buNone/>
+              <a:defRPr sz="1400" kern="1200" cap="none">
+                <a:solidFill>
+                  <a:schemeClr val="tx1">
+                    <a:tint val="75000"/>
+                  </a:schemeClr>
+                </a:solidFill>
+                <a:effectLst/>
+                <a:latin typeface="+mn-lt"/>
+                <a:ea typeface="+mn-ea"/>
+                <a:cs typeface="+mn-cs"/>
+              </a:defRPr>
+            </a:lvl9pPr>
+          </a:lstStyle>
+          <a:p>
+            <a:r>
+              <a:rPr lang="en-US" sz="3000" b="1" dirty="0">
+                <a:solidFill>
+                  <a:srgbClr val="00B050"/>
+                </a:solidFill>
+              </a:rPr>
+              <a:t>* Introduction</a:t>
+            </a:r>
+          </a:p>
+          <a:p>
+            <a:endParaRPr lang="en-US" sz="1500" b="1" dirty="0">
+              <a:solidFill>
+                <a:srgbClr val="00B050"/>
+              </a:solidFill>
+            </a:endParaRPr>
+          </a:p>
+          <a:p>
+            <a:r>
+              <a:rPr lang="en-US" sz="3000" b="1" dirty="0">
+                <a:solidFill>
+                  <a:srgbClr val="00B050"/>
+                </a:solidFill>
+              </a:rPr>
+              <a:t>* Background</a:t>
+            </a:r>
+          </a:p>
+          <a:p>
+            <a:endParaRPr lang="en-US" sz="1500" b="1" dirty="0">
+              <a:solidFill>
+                <a:srgbClr val="00B050"/>
+              </a:solidFill>
+            </a:endParaRPr>
+          </a:p>
+          <a:p>
+            <a:r>
+              <a:rPr lang="en-US" sz="3000" b="1" dirty="0">
+                <a:solidFill>
+                  <a:srgbClr val="00B050"/>
+                </a:solidFill>
+              </a:rPr>
+              <a:t>* System Architecture</a:t>
+            </a:r>
+          </a:p>
+          <a:p>
+            <a:endParaRPr lang="en-US" sz="1500" b="1" dirty="0">
+              <a:solidFill>
+                <a:srgbClr val="00B050"/>
+              </a:solidFill>
+            </a:endParaRPr>
+          </a:p>
+          <a:p>
+            <a:r>
+              <a:rPr lang="en-US" sz="3000" b="1" dirty="0">
+                <a:solidFill>
+                  <a:srgbClr val="00B050"/>
+                </a:solidFill>
+              </a:rPr>
+              <a:t>* Implementation and Result</a:t>
+            </a:r>
+          </a:p>
+          <a:p>
+            <a:endParaRPr lang="en-US" sz="1500" b="1" dirty="0">
+              <a:solidFill>
+                <a:srgbClr val="00B050"/>
+              </a:solidFill>
+            </a:endParaRPr>
+          </a:p>
+          <a:p>
+            <a:r>
+              <a:rPr lang="en-US" sz="3000" b="1" dirty="0">
+                <a:solidFill>
+                  <a:srgbClr val="00B050"/>
+                </a:solidFill>
+              </a:rPr>
+              <a:t>* Conclusion</a:t>
+            </a:r>
+          </a:p>
+        </p:txBody>
+      </p:sp>
+    </p:spTree>
+    <p:extLst>
+      <p:ext uri="{BB962C8B-B14F-4D97-AF65-F5344CB8AC3E}">
+        <p14:creationId xmlns:p14="http://schemas.microsoft.com/office/powerpoint/2010/main" val="348635698"/>
+      </p:ext>
+    </p:extLst>
+  </p:cSld>
+  <p:clrMapOvr>
+    <a:masterClrMapping/>
+  </p:clrMapOvr>
+  <mc:AlternateContent xmlns:mc="http://schemas.openxmlformats.org/markup-compatibility/2006" xmlns:p159="http://schemas.microsoft.com/office/powerpoint/2015/09/main">
+    <mc:Choice Requires="p159">
+      <p:transition>
+        <p159:morph option="byObject"/>
+      </p:transition>
+    </mc:Choice>
+    <mc:Fallback xmlns="">
+      <p:transition>
+        <p:fade/>
+      </p:transition>
+    </mc:Fallback>
+  </mc:AlternateContent>
+</p:sld>
+</file>
+
+<file path=ppt/slides/slide20.xml><?xml version="1.0" encoding="utf-8"?>
 <p:sld xmlns:a="http://schemas.openxmlformats.org/drawingml/2006/main" xmlns:r="http://schemas.openxmlformats.org/officeDocument/2006/relationships" xmlns:p="http://schemas.openxmlformats.org/presentationml/2006/main">
   <p:cSld>
     <p:spTree>
@@ -12557,425 +13414,7 @@
 </p:sld>
 </file>
 
-<file path=ppt/slides/slide2.xml><?xml version="1.0" encoding="utf-8"?>
-<p:sld xmlns:a="http://schemas.openxmlformats.org/drawingml/2006/main" xmlns:r="http://schemas.openxmlformats.org/officeDocument/2006/relationships" xmlns:p="http://schemas.openxmlformats.org/presentationml/2006/main">
-  <p:cSld>
-    <p:spTree>
-      <p:nvGrpSpPr>
-        <p:cNvPr id="1" name=""/>
-        <p:cNvGrpSpPr/>
-        <p:nvPr/>
-      </p:nvGrpSpPr>
-      <p:grpSpPr>
-        <a:xfrm>
-          <a:off x="0" y="0"/>
-          <a:ext cx="0" cy="0"/>
-          <a:chOff x="0" y="0"/>
-          <a:chExt cx="0" cy="0"/>
-        </a:xfrm>
-      </p:grpSpPr>
-      <p:sp>
-        <p:nvSpPr>
-          <p:cNvPr id="2" name="Title 1">
-            <a:extLst>
-              <a:ext uri="{FF2B5EF4-FFF2-40B4-BE49-F238E27FC236}">
-                <a16:creationId xmlns:a16="http://schemas.microsoft.com/office/drawing/2014/main" id="{5DBD03E5-A381-4A7F-B089-2E54FC5138A6}"/>
-              </a:ext>
-            </a:extLst>
-          </p:cNvPr>
-          <p:cNvSpPr>
-            <a:spLocks noGrp="1"/>
-          </p:cNvSpPr>
-          <p:nvPr>
-            <p:ph type="ctrTitle"/>
-          </p:nvPr>
-        </p:nvSpPr>
-        <p:spPr>
-          <a:xfrm>
-            <a:off x="-151550" y="1816539"/>
-            <a:ext cx="2570920" cy="820644"/>
-          </a:xfrm>
-        </p:spPr>
-        <p:txBody>
-          <a:bodyPr>
-            <a:noAutofit/>
-          </a:bodyPr>
-          <a:lstStyle/>
-          <a:p>
-            <a:pPr algn="ctr"/>
-            <a:r>
-              <a:rPr lang="en-US" sz="4800" b="1" dirty="0">
-                <a:solidFill>
-                  <a:schemeClr val="accent2">
-                    <a:lumMod val="75000"/>
-                  </a:schemeClr>
-                </a:solidFill>
-              </a:rPr>
-              <a:t>Content</a:t>
-            </a:r>
-          </a:p>
-        </p:txBody>
-      </p:sp>
-      <p:sp>
-        <p:nvSpPr>
-          <p:cNvPr id="7" name="Subtitle 2">
-            <a:extLst>
-              <a:ext uri="{FF2B5EF4-FFF2-40B4-BE49-F238E27FC236}">
-                <a16:creationId xmlns:a16="http://schemas.microsoft.com/office/drawing/2014/main" id="{35DEFEA0-45A0-41B5-A540-3D2E6CB612F7}"/>
-              </a:ext>
-            </a:extLst>
-          </p:cNvPr>
-          <p:cNvSpPr txBox="1">
-            <a:spLocks/>
-          </p:cNvSpPr>
-          <p:nvPr/>
-        </p:nvSpPr>
-        <p:spPr>
-          <a:xfrm>
-            <a:off x="2671161" y="769615"/>
-            <a:ext cx="7042682" cy="5432402"/>
-          </a:xfrm>
-          <a:prstGeom prst="rect">
-            <a:avLst/>
-          </a:prstGeom>
-        </p:spPr>
-        <p:txBody>
-          <a:bodyPr vert="horz" lIns="91440" tIns="45720" rIns="91440" bIns="45720" rtlCol="0" anchor="t">
-            <a:noAutofit/>
-          </a:bodyPr>
-          <a:lstStyle>
-            <a:lvl1pPr marL="0" indent="0" algn="l" defTabSz="457200" rtl="0" eaLnBrk="1" latinLnBrk="0" hangingPunct="1">
-              <a:spcBef>
-                <a:spcPct val="20000"/>
-              </a:spcBef>
-              <a:spcAft>
-                <a:spcPts val="600"/>
-              </a:spcAft>
-              <a:buClr>
-                <a:schemeClr val="tx1"/>
-              </a:buClr>
-              <a:buSzPct val="80000"/>
-              <a:buFont typeface="Wingdings 3" panose="05040102010807070707" pitchFamily="18" charset="2"/>
-              <a:buNone/>
-              <a:defRPr sz="2100" kern="1200" cap="none">
-                <a:solidFill>
-                  <a:schemeClr val="bg2">
-                    <a:lumMod val="75000"/>
-                  </a:schemeClr>
-                </a:solidFill>
-                <a:effectLst/>
-                <a:latin typeface="+mn-lt"/>
-                <a:ea typeface="+mn-ea"/>
-                <a:cs typeface="+mn-cs"/>
-              </a:defRPr>
-            </a:lvl1pPr>
-            <a:lvl2pPr marL="457200" indent="0" algn="ctr" defTabSz="457200" rtl="0" eaLnBrk="1" latinLnBrk="0" hangingPunct="1">
-              <a:spcBef>
-                <a:spcPct val="20000"/>
-              </a:spcBef>
-              <a:spcAft>
-                <a:spcPts val="600"/>
-              </a:spcAft>
-              <a:buClr>
-                <a:schemeClr val="tx1"/>
-              </a:buClr>
-              <a:buSzPct val="80000"/>
-              <a:buFont typeface="Wingdings 3" panose="05040102010807070707" pitchFamily="18" charset="2"/>
-              <a:buNone/>
-              <a:defRPr sz="1800" kern="1200" cap="none">
-                <a:solidFill>
-                  <a:schemeClr val="tx1">
-                    <a:tint val="75000"/>
-                  </a:schemeClr>
-                </a:solidFill>
-                <a:effectLst/>
-                <a:latin typeface="+mn-lt"/>
-                <a:ea typeface="+mn-ea"/>
-                <a:cs typeface="+mn-cs"/>
-              </a:defRPr>
-            </a:lvl2pPr>
-            <a:lvl3pPr marL="914400" indent="0" algn="ctr" defTabSz="457200" rtl="0" eaLnBrk="1" latinLnBrk="0" hangingPunct="1">
-              <a:spcBef>
-                <a:spcPct val="20000"/>
-              </a:spcBef>
-              <a:spcAft>
-                <a:spcPts val="600"/>
-              </a:spcAft>
-              <a:buClr>
-                <a:schemeClr val="tx1"/>
-              </a:buClr>
-              <a:buSzPct val="80000"/>
-              <a:buFont typeface="Wingdings 3" panose="05040102010807070707" pitchFamily="18" charset="2"/>
-              <a:buNone/>
-              <a:defRPr sz="1600" kern="1200" cap="none">
-                <a:solidFill>
-                  <a:schemeClr val="tx1">
-                    <a:tint val="75000"/>
-                  </a:schemeClr>
-                </a:solidFill>
-                <a:effectLst/>
-                <a:latin typeface="+mn-lt"/>
-                <a:ea typeface="+mn-ea"/>
-                <a:cs typeface="+mn-cs"/>
-              </a:defRPr>
-            </a:lvl3pPr>
-            <a:lvl4pPr marL="1371600" indent="0" algn="ctr" defTabSz="457200" rtl="0" eaLnBrk="1" latinLnBrk="0" hangingPunct="1">
-              <a:spcBef>
-                <a:spcPct val="20000"/>
-              </a:spcBef>
-              <a:spcAft>
-                <a:spcPts val="600"/>
-              </a:spcAft>
-              <a:buClr>
-                <a:schemeClr val="tx1"/>
-              </a:buClr>
-              <a:buSzPct val="80000"/>
-              <a:buFont typeface="Wingdings 3" panose="05040102010807070707" pitchFamily="18" charset="2"/>
-              <a:buNone/>
-              <a:defRPr sz="1400" kern="1200" cap="none">
-                <a:solidFill>
-                  <a:schemeClr val="tx1">
-                    <a:tint val="75000"/>
-                  </a:schemeClr>
-                </a:solidFill>
-                <a:effectLst/>
-                <a:latin typeface="+mn-lt"/>
-                <a:ea typeface="+mn-ea"/>
-                <a:cs typeface="+mn-cs"/>
-              </a:defRPr>
-            </a:lvl4pPr>
-            <a:lvl5pPr marL="1828800" indent="0" algn="ctr" defTabSz="457200" rtl="0" eaLnBrk="1" latinLnBrk="0" hangingPunct="1">
-              <a:spcBef>
-                <a:spcPct val="20000"/>
-              </a:spcBef>
-              <a:spcAft>
-                <a:spcPts val="600"/>
-              </a:spcAft>
-              <a:buClr>
-                <a:schemeClr val="tx1"/>
-              </a:buClr>
-              <a:buSzPct val="80000"/>
-              <a:buFont typeface="Wingdings 3" panose="05040102010807070707" pitchFamily="18" charset="2"/>
-              <a:buNone/>
-              <a:defRPr sz="1400" kern="1200" cap="none">
-                <a:solidFill>
-                  <a:schemeClr val="tx1">
-                    <a:tint val="75000"/>
-                  </a:schemeClr>
-                </a:solidFill>
-                <a:effectLst/>
-                <a:latin typeface="+mn-lt"/>
-                <a:ea typeface="+mn-ea"/>
-                <a:cs typeface="+mn-cs"/>
-              </a:defRPr>
-            </a:lvl5pPr>
-            <a:lvl6pPr marL="2286000" indent="0" algn="ctr" defTabSz="457200" rtl="0" eaLnBrk="1" latinLnBrk="0" hangingPunct="1">
-              <a:spcBef>
-                <a:spcPct val="20000"/>
-              </a:spcBef>
-              <a:spcAft>
-                <a:spcPts val="600"/>
-              </a:spcAft>
-              <a:buClr>
-                <a:schemeClr val="tx1"/>
-              </a:buClr>
-              <a:buSzPct val="80000"/>
-              <a:buFont typeface="Wingdings 3" panose="05040102010807070707" pitchFamily="18" charset="2"/>
-              <a:buNone/>
-              <a:defRPr sz="1400" kern="1200" cap="none">
-                <a:solidFill>
-                  <a:schemeClr val="tx1">
-                    <a:tint val="75000"/>
-                  </a:schemeClr>
-                </a:solidFill>
-                <a:effectLst/>
-                <a:latin typeface="+mn-lt"/>
-                <a:ea typeface="+mn-ea"/>
-                <a:cs typeface="+mn-cs"/>
-              </a:defRPr>
-            </a:lvl6pPr>
-            <a:lvl7pPr marL="2743200" indent="0" algn="ctr" defTabSz="457200" rtl="0" eaLnBrk="1" latinLnBrk="0" hangingPunct="1">
-              <a:spcBef>
-                <a:spcPct val="20000"/>
-              </a:spcBef>
-              <a:spcAft>
-                <a:spcPts val="600"/>
-              </a:spcAft>
-              <a:buClr>
-                <a:schemeClr val="tx1"/>
-              </a:buClr>
-              <a:buSzPct val="80000"/>
-              <a:buFont typeface="Wingdings 3" panose="05040102010807070707" pitchFamily="18" charset="2"/>
-              <a:buNone/>
-              <a:defRPr sz="1400" kern="1200" cap="none">
-                <a:solidFill>
-                  <a:schemeClr val="tx1">
-                    <a:tint val="75000"/>
-                  </a:schemeClr>
-                </a:solidFill>
-                <a:effectLst/>
-                <a:latin typeface="+mn-lt"/>
-                <a:ea typeface="+mn-ea"/>
-                <a:cs typeface="+mn-cs"/>
-              </a:defRPr>
-            </a:lvl7pPr>
-            <a:lvl8pPr marL="3200400" indent="0" algn="ctr" defTabSz="457200" rtl="0" eaLnBrk="1" latinLnBrk="0" hangingPunct="1">
-              <a:spcBef>
-                <a:spcPct val="20000"/>
-              </a:spcBef>
-              <a:spcAft>
-                <a:spcPts val="600"/>
-              </a:spcAft>
-              <a:buClr>
-                <a:schemeClr val="tx1"/>
-              </a:buClr>
-              <a:buSzPct val="80000"/>
-              <a:buFont typeface="Wingdings 3" panose="05040102010807070707" pitchFamily="18" charset="2"/>
-              <a:buNone/>
-              <a:defRPr sz="1400" kern="1200" cap="none">
-                <a:solidFill>
-                  <a:schemeClr val="tx1">
-                    <a:tint val="75000"/>
-                  </a:schemeClr>
-                </a:solidFill>
-                <a:effectLst/>
-                <a:latin typeface="+mn-lt"/>
-                <a:ea typeface="+mn-ea"/>
-                <a:cs typeface="+mn-cs"/>
-              </a:defRPr>
-            </a:lvl8pPr>
-            <a:lvl9pPr marL="3657600" indent="0" algn="ctr" defTabSz="457200" rtl="0" eaLnBrk="1" latinLnBrk="0" hangingPunct="1">
-              <a:spcBef>
-                <a:spcPct val="20000"/>
-              </a:spcBef>
-              <a:spcAft>
-                <a:spcPts val="600"/>
-              </a:spcAft>
-              <a:buClr>
-                <a:schemeClr val="tx1"/>
-              </a:buClr>
-              <a:buSzPct val="80000"/>
-              <a:buFont typeface="Wingdings 3" panose="05040102010807070707" pitchFamily="18" charset="2"/>
-              <a:buNone/>
-              <a:defRPr sz="1400" kern="1200" cap="none">
-                <a:solidFill>
-                  <a:schemeClr val="tx1">
-                    <a:tint val="75000"/>
-                  </a:schemeClr>
-                </a:solidFill>
-                <a:effectLst/>
-                <a:latin typeface="+mn-lt"/>
-                <a:ea typeface="+mn-ea"/>
-                <a:cs typeface="+mn-cs"/>
-              </a:defRPr>
-            </a:lvl9pPr>
-          </a:lstStyle>
-          <a:p>
-            <a:r>
-              <a:rPr lang="en-US" sz="3000" b="1" dirty="0">
-                <a:solidFill>
-                  <a:srgbClr val="00B050"/>
-                </a:solidFill>
-              </a:rPr>
-              <a:t>* Introduction</a:t>
-            </a:r>
-          </a:p>
-          <a:p>
-            <a:endParaRPr lang="en-US" sz="1500" b="1" dirty="0">
-              <a:solidFill>
-                <a:srgbClr val="00B050"/>
-              </a:solidFill>
-            </a:endParaRPr>
-          </a:p>
-          <a:p>
-            <a:r>
-              <a:rPr lang="en-US" sz="3000" b="1" dirty="0">
-                <a:solidFill>
-                  <a:srgbClr val="00B050"/>
-                </a:solidFill>
-              </a:rPr>
-              <a:t>* Background</a:t>
-            </a:r>
-          </a:p>
-          <a:p>
-            <a:endParaRPr lang="en-US" sz="1500" b="1" dirty="0">
-              <a:solidFill>
-                <a:srgbClr val="00B050"/>
-              </a:solidFill>
-            </a:endParaRPr>
-          </a:p>
-          <a:p>
-            <a:r>
-              <a:rPr lang="en-US" sz="3000" b="1" dirty="0">
-                <a:solidFill>
-                  <a:srgbClr val="00B050"/>
-                </a:solidFill>
-              </a:rPr>
-              <a:t>* System Architecture</a:t>
-            </a:r>
-          </a:p>
-          <a:p>
-            <a:endParaRPr lang="en-US" sz="1500" b="1" dirty="0">
-              <a:solidFill>
-                <a:srgbClr val="00B050"/>
-              </a:solidFill>
-            </a:endParaRPr>
-          </a:p>
-          <a:p>
-            <a:r>
-              <a:rPr lang="en-US" sz="3000" b="1" dirty="0">
-                <a:solidFill>
-                  <a:srgbClr val="00B050"/>
-                </a:solidFill>
-              </a:rPr>
-              <a:t>* Implementation and Result</a:t>
-            </a:r>
-          </a:p>
-          <a:p>
-            <a:endParaRPr lang="en-US" sz="1500" b="1" dirty="0">
-              <a:solidFill>
-                <a:srgbClr val="00B050"/>
-              </a:solidFill>
-            </a:endParaRPr>
-          </a:p>
-          <a:p>
-            <a:r>
-              <a:rPr lang="en-US" sz="3000" b="1" dirty="0">
-                <a:solidFill>
-                  <a:srgbClr val="00B050"/>
-                </a:solidFill>
-              </a:rPr>
-              <a:t>* Conclusion</a:t>
-            </a:r>
-          </a:p>
-        </p:txBody>
-      </p:sp>
-    </p:spTree>
-    <p:extLst>
-      <p:ext uri="{BB962C8B-B14F-4D97-AF65-F5344CB8AC3E}">
-        <p14:creationId xmlns:p14="http://schemas.microsoft.com/office/powerpoint/2010/main" val="348635698"/>
-      </p:ext>
-    </p:extLst>
-  </p:cSld>
-  <p:clrMapOvr>
-    <a:masterClrMapping/>
-  </p:clrMapOvr>
-  <mc:AlternateContent xmlns:mc="http://schemas.openxmlformats.org/markup-compatibility/2006">
-    <mc:Choice xmlns:p159="http://schemas.microsoft.com/office/powerpoint/2015/09/main" Requires="p159">
-      <p:transition>
-        <p159:morph option="byObject"/>
-      </p:transition>
-    </mc:Choice>
-    <mc:Fallback>
-      <p:transition>
-        <p:fade/>
-      </p:transition>
-    </mc:Fallback>
-  </mc:AlternateContent>
-</p:sld>
-</file>
-
-<file path=ppt/slides/slide20.xml><?xml version="1.0" encoding="utf-8"?>
+<file path=ppt/slides/slide21.xml><?xml version="1.0" encoding="utf-8"?>
 <p:sld xmlns:a="http://schemas.openxmlformats.org/drawingml/2006/main" xmlns:r="http://schemas.openxmlformats.org/officeDocument/2006/relationships" xmlns:p="http://schemas.openxmlformats.org/presentationml/2006/main">
   <p:cSld>
     <p:spTree>
@@ -13379,7 +13818,7 @@
 </p:sld>
 </file>
 
-<file path=ppt/slides/slide21.xml><?xml version="1.0" encoding="utf-8"?>
+<file path=ppt/slides/slide22.xml><?xml version="1.0" encoding="utf-8"?>
 <p:sld xmlns:a="http://schemas.openxmlformats.org/drawingml/2006/main" xmlns:r="http://schemas.openxmlformats.org/officeDocument/2006/relationships" xmlns:p="http://schemas.openxmlformats.org/presentationml/2006/main">
   <p:cSld>
     <p:spTree>
@@ -13788,7 +14227,7 @@
 </p:sld>
 </file>
 
-<file path=ppt/slides/slide22.xml><?xml version="1.0" encoding="utf-8"?>
+<file path=ppt/slides/slide23.xml><?xml version="1.0" encoding="utf-8"?>
 <p:sld xmlns:a="http://schemas.openxmlformats.org/drawingml/2006/main" xmlns:r="http://schemas.openxmlformats.org/officeDocument/2006/relationships" xmlns:p="http://schemas.openxmlformats.org/presentationml/2006/main">
   <p:cSld>
     <p:spTree>
@@ -14197,7 +14636,7 @@
 </p:sld>
 </file>
 
-<file path=ppt/slides/slide23.xml><?xml version="1.0" encoding="utf-8"?>
+<file path=ppt/slides/slide24.xml><?xml version="1.0" encoding="utf-8"?>
 <p:sld xmlns:a="http://schemas.openxmlformats.org/drawingml/2006/main" xmlns:r="http://schemas.openxmlformats.org/officeDocument/2006/relationships" xmlns:p="http://schemas.openxmlformats.org/presentationml/2006/main">
   <p:cSld>
     <p:spTree>
@@ -14747,13 +15186,13 @@
   <p:clrMapOvr>
     <a:masterClrMapping/>
   </p:clrMapOvr>
-  <mc:AlternateContent xmlns:mc="http://schemas.openxmlformats.org/markup-compatibility/2006">
-    <mc:Choice xmlns:p159="http://schemas.microsoft.com/office/powerpoint/2015/09/main" Requires="p159">
+  <mc:AlternateContent xmlns:mc="http://schemas.openxmlformats.org/markup-compatibility/2006" xmlns:p159="http://schemas.microsoft.com/office/powerpoint/2015/09/main">
+    <mc:Choice Requires="p159">
       <p:transition>
         <p159:morph option="byObject"/>
       </p:transition>
     </mc:Choice>
-    <mc:Fallback>
+    <mc:Fallback xmlns="">
       <p:transition>
         <p:fade/>
       </p:transition>
@@ -14762,7 +15201,7 @@
 </p:sld>
 </file>
 
-<file path=ppt/slides/slide24.xml><?xml version="1.0" encoding="utf-8"?>
+<file path=ppt/slides/slide25.xml><?xml version="1.0" encoding="utf-8"?>
 <p:sld xmlns:a="http://schemas.openxmlformats.org/drawingml/2006/main" xmlns:r="http://schemas.openxmlformats.org/officeDocument/2006/relationships" xmlns:p="http://schemas.openxmlformats.org/presentationml/2006/main">
   <p:cSld>
     <p:spTree>
@@ -15162,7 +15601,7 @@
 </p:sld>
 </file>
 
-<file path=ppt/slides/slide25.xml><?xml version="1.0" encoding="utf-8"?>
+<file path=ppt/slides/slide26.xml><?xml version="1.0" encoding="utf-8"?>
 <p:sld xmlns:a="http://schemas.openxmlformats.org/drawingml/2006/main" xmlns:r="http://schemas.openxmlformats.org/officeDocument/2006/relationships" xmlns:p="http://schemas.openxmlformats.org/presentationml/2006/main">
   <p:cSld>
     <p:spTree>
@@ -15562,7 +16001,7 @@
 </p:sld>
 </file>
 
-<file path=ppt/slides/slide26.xml><?xml version="1.0" encoding="utf-8"?>
+<file path=ppt/slides/slide27.xml><?xml version="1.0" encoding="utf-8"?>
 <p:sld xmlns:a="http://schemas.openxmlformats.org/drawingml/2006/main" xmlns:r="http://schemas.openxmlformats.org/officeDocument/2006/relationships" xmlns:p="http://schemas.openxmlformats.org/presentationml/2006/main">
   <p:cSld>
     <p:spTree>
@@ -16486,7 +16925,7 @@
 </p:sld>
 </file>
 
-<file path=ppt/slides/slide27.xml><?xml version="1.0" encoding="utf-8"?>
+<file path=ppt/slides/slide28.xml><?xml version="1.0" encoding="utf-8"?>
 <p:sld xmlns:a="http://schemas.openxmlformats.org/drawingml/2006/main" xmlns:r="http://schemas.openxmlformats.org/officeDocument/2006/relationships" xmlns:p="http://schemas.openxmlformats.org/presentationml/2006/main">
   <p:cSld>
     <p:spTree>
@@ -18880,6 +19319,552 @@
           </a:p>
         </p:txBody>
       </p:sp>
+      <p:pic>
+        <p:nvPicPr>
+          <p:cNvPr id="6" name="Picture 5">
+            <a:extLst>
+              <a:ext uri="{FF2B5EF4-FFF2-40B4-BE49-F238E27FC236}">
+                <a16:creationId xmlns:a16="http://schemas.microsoft.com/office/drawing/2014/main" id="{B1B848F2-94CD-41D5-A56C-537A1AF57D8C}"/>
+              </a:ext>
+            </a:extLst>
+          </p:cNvPr>
+          <p:cNvPicPr>
+            <a:picLocks noChangeAspect="1"/>
+          </p:cNvPicPr>
+          <p:nvPr/>
+        </p:nvPicPr>
+        <p:blipFill>
+          <a:blip r:embed="rId2"/>
+          <a:stretch>
+            <a:fillRect/>
+          </a:stretch>
+        </p:blipFill>
+        <p:spPr>
+          <a:xfrm>
+            <a:off x="0" y="806584"/>
+            <a:ext cx="2318159" cy="2318159"/>
+          </a:xfrm>
+          <a:prstGeom prst="rect">
+            <a:avLst/>
+          </a:prstGeom>
+        </p:spPr>
+      </p:pic>
+      <p:pic>
+        <p:nvPicPr>
+          <p:cNvPr id="12" name="Picture 11">
+            <a:extLst>
+              <a:ext uri="{FF2B5EF4-FFF2-40B4-BE49-F238E27FC236}">
+                <a16:creationId xmlns:a16="http://schemas.microsoft.com/office/drawing/2014/main" id="{9E7C80A0-1078-416A-88C3-3689F29C2836}"/>
+              </a:ext>
+            </a:extLst>
+          </p:cNvPr>
+          <p:cNvPicPr>
+            <a:picLocks noChangeAspect="1"/>
+          </p:cNvPicPr>
+          <p:nvPr/>
+        </p:nvPicPr>
+        <p:blipFill>
+          <a:blip r:embed="rId3"/>
+          <a:stretch>
+            <a:fillRect/>
+          </a:stretch>
+        </p:blipFill>
+        <p:spPr>
+          <a:xfrm>
+            <a:off x="2692929" y="954886"/>
+            <a:ext cx="550600" cy="630458"/>
+          </a:xfrm>
+          <a:prstGeom prst="rect">
+            <a:avLst/>
+          </a:prstGeom>
+        </p:spPr>
+      </p:pic>
+      <p:pic>
+        <p:nvPicPr>
+          <p:cNvPr id="14" name="Picture 13">
+            <a:extLst>
+              <a:ext uri="{FF2B5EF4-FFF2-40B4-BE49-F238E27FC236}">
+                <a16:creationId xmlns:a16="http://schemas.microsoft.com/office/drawing/2014/main" id="{D7CDB8B6-08B8-46F3-95C1-2BE7C18F8CEA}"/>
+              </a:ext>
+            </a:extLst>
+          </p:cNvPr>
+          <p:cNvPicPr>
+            <a:picLocks noChangeAspect="1"/>
+          </p:cNvPicPr>
+          <p:nvPr/>
+        </p:nvPicPr>
+        <p:blipFill>
+          <a:blip r:embed="rId3"/>
+          <a:stretch>
+            <a:fillRect/>
+          </a:stretch>
+        </p:blipFill>
+        <p:spPr>
+          <a:xfrm>
+            <a:off x="7159593" y="992019"/>
+            <a:ext cx="550600" cy="630458"/>
+          </a:xfrm>
+          <a:prstGeom prst="rect">
+            <a:avLst/>
+          </a:prstGeom>
+        </p:spPr>
+      </p:pic>
+      <p:pic>
+        <p:nvPicPr>
+          <p:cNvPr id="16" name="Picture 15">
+            <a:extLst>
+              <a:ext uri="{FF2B5EF4-FFF2-40B4-BE49-F238E27FC236}">
+                <a16:creationId xmlns:a16="http://schemas.microsoft.com/office/drawing/2014/main" id="{70BFF925-38E8-4B24-9B32-F1741B788247}"/>
+              </a:ext>
+            </a:extLst>
+          </p:cNvPr>
+          <p:cNvPicPr>
+            <a:picLocks noChangeAspect="1"/>
+          </p:cNvPicPr>
+          <p:nvPr/>
+        </p:nvPicPr>
+        <p:blipFill>
+          <a:blip r:embed="rId3"/>
+          <a:stretch>
+            <a:fillRect/>
+          </a:stretch>
+        </p:blipFill>
+        <p:spPr>
+          <a:xfrm>
+            <a:off x="2692929" y="4581820"/>
+            <a:ext cx="550600" cy="630458"/>
+          </a:xfrm>
+          <a:prstGeom prst="rect">
+            <a:avLst/>
+          </a:prstGeom>
+        </p:spPr>
+      </p:pic>
+      <p:pic>
+        <p:nvPicPr>
+          <p:cNvPr id="18" name="Picture 17">
+            <a:extLst>
+              <a:ext uri="{FF2B5EF4-FFF2-40B4-BE49-F238E27FC236}">
+                <a16:creationId xmlns:a16="http://schemas.microsoft.com/office/drawing/2014/main" id="{CF276FBB-6C7E-48B0-A7B7-56189D5EDEB0}"/>
+              </a:ext>
+            </a:extLst>
+          </p:cNvPr>
+          <p:cNvPicPr>
+            <a:picLocks noChangeAspect="1"/>
+          </p:cNvPicPr>
+          <p:nvPr/>
+        </p:nvPicPr>
+        <p:blipFill>
+          <a:blip r:embed="rId3"/>
+          <a:stretch>
+            <a:fillRect/>
+          </a:stretch>
+        </p:blipFill>
+        <p:spPr>
+          <a:xfrm>
+            <a:off x="7159593" y="2793570"/>
+            <a:ext cx="550600" cy="630458"/>
+          </a:xfrm>
+          <a:prstGeom prst="rect">
+            <a:avLst/>
+          </a:prstGeom>
+        </p:spPr>
+      </p:pic>
+      <p:pic>
+        <p:nvPicPr>
+          <p:cNvPr id="20" name="Picture 19">
+            <a:extLst>
+              <a:ext uri="{FF2B5EF4-FFF2-40B4-BE49-F238E27FC236}">
+                <a16:creationId xmlns:a16="http://schemas.microsoft.com/office/drawing/2014/main" id="{655CB886-511F-4734-A2CA-1435CF69CACE}"/>
+              </a:ext>
+            </a:extLst>
+          </p:cNvPr>
+          <p:cNvPicPr>
+            <a:picLocks noChangeAspect="1"/>
+          </p:cNvPicPr>
+          <p:nvPr/>
+        </p:nvPicPr>
+        <p:blipFill>
+          <a:blip r:embed="rId3"/>
+          <a:stretch>
+            <a:fillRect/>
+          </a:stretch>
+        </p:blipFill>
+        <p:spPr>
+          <a:xfrm>
+            <a:off x="2692929" y="2791286"/>
+            <a:ext cx="550600" cy="630458"/>
+          </a:xfrm>
+          <a:prstGeom prst="rect">
+            <a:avLst/>
+          </a:prstGeom>
+        </p:spPr>
+      </p:pic>
+      <p:pic>
+        <p:nvPicPr>
+          <p:cNvPr id="22" name="Picture 21">
+            <a:extLst>
+              <a:ext uri="{FF2B5EF4-FFF2-40B4-BE49-F238E27FC236}">
+                <a16:creationId xmlns:a16="http://schemas.microsoft.com/office/drawing/2014/main" id="{6A73D05B-33C7-4A42-887D-66B53B1DD5D8}"/>
+              </a:ext>
+            </a:extLst>
+          </p:cNvPr>
+          <p:cNvPicPr>
+            <a:picLocks noChangeAspect="1"/>
+          </p:cNvPicPr>
+          <p:nvPr/>
+        </p:nvPicPr>
+        <p:blipFill>
+          <a:blip r:embed="rId3"/>
+          <a:stretch>
+            <a:fillRect/>
+          </a:stretch>
+        </p:blipFill>
+        <p:spPr>
+          <a:xfrm>
+            <a:off x="7159593" y="4569692"/>
+            <a:ext cx="550600" cy="630458"/>
+          </a:xfrm>
+          <a:prstGeom prst="rect">
+            <a:avLst/>
+          </a:prstGeom>
+        </p:spPr>
+      </p:pic>
+      <p:sp>
+        <p:nvSpPr>
+          <p:cNvPr id="25" name="Rectangle 24">
+            <a:extLst>
+              <a:ext uri="{FF2B5EF4-FFF2-40B4-BE49-F238E27FC236}">
+                <a16:creationId xmlns:a16="http://schemas.microsoft.com/office/drawing/2014/main" id="{F28ED4D3-9552-4C84-8671-81080B8F39BC}"/>
+              </a:ext>
+            </a:extLst>
+          </p:cNvPr>
+          <p:cNvSpPr/>
+          <p:nvPr/>
+        </p:nvSpPr>
+        <p:spPr>
+          <a:xfrm>
+            <a:off x="3197459" y="1183540"/>
+            <a:ext cx="2246738" cy="401804"/>
+          </a:xfrm>
+          <a:prstGeom prst="rect">
+            <a:avLst/>
+          </a:prstGeom>
+        </p:spPr>
+        <p:txBody>
+          <a:bodyPr wrap="square">
+            <a:spAutoFit/>
+          </a:bodyPr>
+          <a:lstStyle/>
+          <a:p>
+            <a:r>
+              <a:rPr lang="en-US" sz="2000" dirty="0">
+                <a:solidFill>
+                  <a:schemeClr val="accent6">
+                    <a:lumMod val="75000"/>
+                  </a:schemeClr>
+                </a:solidFill>
+                <a:latin typeface="Aharoni" panose="02010803020104030203" pitchFamily="2" charset="-79"/>
+                <a:cs typeface="Aharoni" panose="02010803020104030203" pitchFamily="2" charset="-79"/>
+              </a:rPr>
+              <a:t>Multi-platform</a:t>
+            </a:r>
+          </a:p>
+        </p:txBody>
+      </p:sp>
+      <p:sp>
+        <p:nvSpPr>
+          <p:cNvPr id="26" name="Rectangle 25">
+            <a:extLst>
+              <a:ext uri="{FF2B5EF4-FFF2-40B4-BE49-F238E27FC236}">
+                <a16:creationId xmlns:a16="http://schemas.microsoft.com/office/drawing/2014/main" id="{C6C51E5B-5AAF-4C81-A504-A5073069061A}"/>
+              </a:ext>
+            </a:extLst>
+          </p:cNvPr>
+          <p:cNvSpPr/>
+          <p:nvPr/>
+        </p:nvSpPr>
+        <p:spPr>
+          <a:xfrm>
+            <a:off x="7710192" y="1218062"/>
+            <a:ext cx="3902859" cy="400110"/>
+          </a:xfrm>
+          <a:prstGeom prst="rect">
+            <a:avLst/>
+          </a:prstGeom>
+        </p:spPr>
+        <p:txBody>
+          <a:bodyPr wrap="square">
+            <a:spAutoFit/>
+          </a:bodyPr>
+          <a:lstStyle/>
+          <a:p>
+            <a:r>
+              <a:rPr lang="en-US" sz="2000" dirty="0">
+                <a:solidFill>
+                  <a:schemeClr val="accent6">
+                    <a:lumMod val="75000"/>
+                  </a:schemeClr>
+                </a:solidFill>
+                <a:latin typeface="Aharoni" panose="02010803020104030203" pitchFamily="2" charset="-79"/>
+                <a:cs typeface="Aharoni" panose="02010803020104030203" pitchFamily="2" charset="-79"/>
+              </a:rPr>
+              <a:t>Unidirectional Data Flow - UDF</a:t>
+            </a:r>
+          </a:p>
+        </p:txBody>
+      </p:sp>
+      <p:sp>
+        <p:nvSpPr>
+          <p:cNvPr id="27" name="Rectangle 26">
+            <a:extLst>
+              <a:ext uri="{FF2B5EF4-FFF2-40B4-BE49-F238E27FC236}">
+                <a16:creationId xmlns:a16="http://schemas.microsoft.com/office/drawing/2014/main" id="{1C823985-257F-46B9-B542-33BC4A0D34AF}"/>
+              </a:ext>
+            </a:extLst>
+          </p:cNvPr>
+          <p:cNvSpPr/>
+          <p:nvPr/>
+        </p:nvSpPr>
+        <p:spPr>
+          <a:xfrm>
+            <a:off x="7710193" y="3003777"/>
+            <a:ext cx="3101000" cy="400110"/>
+          </a:xfrm>
+          <a:prstGeom prst="rect">
+            <a:avLst/>
+          </a:prstGeom>
+        </p:spPr>
+        <p:txBody>
+          <a:bodyPr wrap="square">
+            <a:spAutoFit/>
+          </a:bodyPr>
+          <a:lstStyle/>
+          <a:p>
+            <a:r>
+              <a:rPr lang="en-US" sz="2000" dirty="0">
+                <a:solidFill>
+                  <a:schemeClr val="accent6">
+                    <a:lumMod val="75000"/>
+                  </a:schemeClr>
+                </a:solidFill>
+                <a:latin typeface="Aharoni" panose="02010803020104030203" pitchFamily="2" charset="-79"/>
+                <a:cs typeface="Aharoni" panose="02010803020104030203" pitchFamily="2" charset="-79"/>
+              </a:rPr>
+              <a:t>Realtime synchronous</a:t>
+            </a:r>
+          </a:p>
+        </p:txBody>
+      </p:sp>
+      <p:sp>
+        <p:nvSpPr>
+          <p:cNvPr id="28" name="Rectangle 27">
+            <a:extLst>
+              <a:ext uri="{FF2B5EF4-FFF2-40B4-BE49-F238E27FC236}">
+                <a16:creationId xmlns:a16="http://schemas.microsoft.com/office/drawing/2014/main" id="{6FDD083F-CEF1-446A-8A50-939C90F74018}"/>
+              </a:ext>
+            </a:extLst>
+          </p:cNvPr>
+          <p:cNvSpPr/>
+          <p:nvPr/>
+        </p:nvSpPr>
+        <p:spPr>
+          <a:xfrm>
+            <a:off x="3243529" y="4765450"/>
+            <a:ext cx="2246738" cy="401804"/>
+          </a:xfrm>
+          <a:prstGeom prst="rect">
+            <a:avLst/>
+          </a:prstGeom>
+        </p:spPr>
+        <p:txBody>
+          <a:bodyPr wrap="square">
+            <a:spAutoFit/>
+          </a:bodyPr>
+          <a:lstStyle/>
+          <a:p>
+            <a:r>
+              <a:rPr lang="en-US" sz="2000" dirty="0">
+                <a:solidFill>
+                  <a:schemeClr val="accent6">
+                    <a:lumMod val="75000"/>
+                  </a:schemeClr>
+                </a:solidFill>
+                <a:latin typeface="Aharoni" panose="02010803020104030203" pitchFamily="2" charset="-79"/>
+                <a:cs typeface="Aharoni" panose="02010803020104030203" pitchFamily="2" charset="-79"/>
+              </a:rPr>
+              <a:t>Location</a:t>
+            </a:r>
+          </a:p>
+        </p:txBody>
+      </p:sp>
+      <p:sp>
+        <p:nvSpPr>
+          <p:cNvPr id="29" name="Rectangle 28">
+            <a:extLst>
+              <a:ext uri="{FF2B5EF4-FFF2-40B4-BE49-F238E27FC236}">
+                <a16:creationId xmlns:a16="http://schemas.microsoft.com/office/drawing/2014/main" id="{7E32F912-DA3F-4C9A-A1D5-63D20D1796A2}"/>
+              </a:ext>
+            </a:extLst>
+          </p:cNvPr>
+          <p:cNvSpPr/>
+          <p:nvPr/>
+        </p:nvSpPr>
+        <p:spPr>
+          <a:xfrm>
+            <a:off x="7710192" y="4812168"/>
+            <a:ext cx="2852471" cy="400110"/>
+          </a:xfrm>
+          <a:prstGeom prst="rect">
+            <a:avLst/>
+          </a:prstGeom>
+        </p:spPr>
+        <p:txBody>
+          <a:bodyPr wrap="square">
+            <a:spAutoFit/>
+          </a:bodyPr>
+          <a:lstStyle/>
+          <a:p>
+            <a:r>
+              <a:rPr lang="en-US" sz="2000" dirty="0">
+                <a:solidFill>
+                  <a:schemeClr val="accent6">
+                    <a:lumMod val="75000"/>
+                  </a:schemeClr>
+                </a:solidFill>
+                <a:latin typeface="Aharoni" panose="02010803020104030203" pitchFamily="2" charset="-79"/>
+                <a:cs typeface="Aharoni" panose="02010803020104030203" pitchFamily="2" charset="-79"/>
+              </a:rPr>
+              <a:t>Device interaction</a:t>
+            </a:r>
+          </a:p>
+        </p:txBody>
+      </p:sp>
+      <p:sp>
+        <p:nvSpPr>
+          <p:cNvPr id="31" name="Rectangle 30">
+            <a:extLst>
+              <a:ext uri="{FF2B5EF4-FFF2-40B4-BE49-F238E27FC236}">
+                <a16:creationId xmlns:a16="http://schemas.microsoft.com/office/drawing/2014/main" id="{4871783C-7562-4A7E-A68A-16E9DE2732A5}"/>
+              </a:ext>
+            </a:extLst>
+          </p:cNvPr>
+          <p:cNvSpPr/>
+          <p:nvPr/>
+        </p:nvSpPr>
+        <p:spPr>
+          <a:xfrm>
+            <a:off x="3197459" y="2963959"/>
+            <a:ext cx="2246738" cy="401804"/>
+          </a:xfrm>
+          <a:prstGeom prst="rect">
+            <a:avLst/>
+          </a:prstGeom>
+        </p:spPr>
+        <p:txBody>
+          <a:bodyPr wrap="square">
+            <a:spAutoFit/>
+          </a:bodyPr>
+          <a:lstStyle/>
+          <a:p>
+            <a:r>
+              <a:rPr lang="en-US" sz="2000" dirty="0">
+                <a:solidFill>
+                  <a:schemeClr val="accent6">
+                    <a:lumMod val="75000"/>
+                  </a:schemeClr>
+                </a:solidFill>
+                <a:latin typeface="Aharoni" panose="02010803020104030203" pitchFamily="2" charset="-79"/>
+                <a:cs typeface="Aharoni" panose="02010803020104030203" pitchFamily="2" charset="-79"/>
+              </a:rPr>
+              <a:t>Push Notification</a:t>
+            </a:r>
+          </a:p>
+        </p:txBody>
+      </p:sp>
+    </p:spTree>
+    <p:extLst>
+      <p:ext uri="{BB962C8B-B14F-4D97-AF65-F5344CB8AC3E}">
+        <p14:creationId xmlns:p14="http://schemas.microsoft.com/office/powerpoint/2010/main" val="4008076006"/>
+      </p:ext>
+    </p:extLst>
+  </p:cSld>
+  <p:clrMapOvr>
+    <a:masterClrMapping/>
+  </p:clrMapOvr>
+  <mc:AlternateContent xmlns:mc="http://schemas.openxmlformats.org/markup-compatibility/2006">
+    <mc:Choice xmlns:p14="http://schemas.microsoft.com/office/powerpoint/2010/main" Requires="p14">
+      <p:transition>
+        <p14:reveal/>
+      </p:transition>
+    </mc:Choice>
+    <mc:Fallback>
+      <p:transition>
+        <p:fade/>
+      </p:transition>
+    </mc:Fallback>
+  </mc:AlternateContent>
+</p:sld>
+</file>
+
+<file path=ppt/slides/slide6.xml><?xml version="1.0" encoding="utf-8"?>
+<p:sld xmlns:a="http://schemas.openxmlformats.org/drawingml/2006/main" xmlns:r="http://schemas.openxmlformats.org/officeDocument/2006/relationships" xmlns:p="http://schemas.openxmlformats.org/presentationml/2006/main">
+  <p:cSld>
+    <p:spTree>
+      <p:nvGrpSpPr>
+        <p:cNvPr id="1" name=""/>
+        <p:cNvGrpSpPr/>
+        <p:nvPr/>
+      </p:nvGrpSpPr>
+      <p:grpSpPr>
+        <a:xfrm>
+          <a:off x="0" y="0"/>
+          <a:ext cx="0" cy="0"/>
+          <a:chOff x="0" y="0"/>
+          <a:chExt cx="0" cy="0"/>
+        </a:xfrm>
+      </p:grpSpPr>
+      <p:sp>
+        <p:nvSpPr>
+          <p:cNvPr id="2" name="Title 1">
+            <a:extLst>
+              <a:ext uri="{FF2B5EF4-FFF2-40B4-BE49-F238E27FC236}">
+                <a16:creationId xmlns:a16="http://schemas.microsoft.com/office/drawing/2014/main" id="{5DBD03E5-A381-4A7F-B089-2E54FC5138A6}"/>
+              </a:ext>
+            </a:extLst>
+          </p:cNvPr>
+          <p:cNvSpPr>
+            <a:spLocks noGrp="1"/>
+          </p:cNvSpPr>
+          <p:nvPr>
+            <p:ph type="ctrTitle"/>
+          </p:nvPr>
+        </p:nvSpPr>
+        <p:spPr>
+          <a:xfrm>
+            <a:off x="1117329" y="-68059"/>
+            <a:ext cx="10495722" cy="874643"/>
+          </a:xfrm>
+        </p:spPr>
+        <p:txBody>
+          <a:bodyPr>
+            <a:noAutofit/>
+          </a:bodyPr>
+          <a:lstStyle/>
+          <a:p>
+            <a:pPr algn="ctr"/>
+            <a:r>
+              <a:rPr lang="en-US" sz="5000" b="1" dirty="0">
+                <a:solidFill>
+                  <a:schemeClr val="accent2">
+                    <a:lumMod val="75000"/>
+                  </a:schemeClr>
+                </a:solidFill>
+              </a:rPr>
+              <a:t>Introduction</a:t>
+            </a:r>
+          </a:p>
+        </p:txBody>
+      </p:sp>
       <p:sp>
         <p:nvSpPr>
           <p:cNvPr id="4" name="Subtitle 2">
@@ -19523,13 +20508,13 @@
   <p:clrMapOvr>
     <a:masterClrMapping/>
   </p:clrMapOvr>
-  <mc:AlternateContent xmlns:mc="http://schemas.openxmlformats.org/markup-compatibility/2006">
-    <mc:Choice xmlns:p14="http://schemas.microsoft.com/office/powerpoint/2010/main" Requires="p14">
+  <mc:AlternateContent xmlns:mc="http://schemas.openxmlformats.org/markup-compatibility/2006" xmlns:p14="http://schemas.microsoft.com/office/powerpoint/2010/main">
+    <mc:Choice Requires="p14">
       <p:transition>
         <p14:reveal/>
       </p:transition>
     </mc:Choice>
-    <mc:Fallback>
+    <mc:Fallback xmlns="">
       <p:transition>
         <p:fade/>
       </p:transition>
@@ -19677,7 +20662,7 @@
 </p:sld>
 </file>
 
-<file path=ppt/slides/slide6.xml><?xml version="1.0" encoding="utf-8"?>
+<file path=ppt/slides/slide7.xml><?xml version="1.0" encoding="utf-8"?>
 <p:sld xmlns:a="http://schemas.openxmlformats.org/drawingml/2006/main" xmlns:r="http://schemas.openxmlformats.org/officeDocument/2006/relationships" xmlns:p="http://schemas.openxmlformats.org/presentationml/2006/main">
   <p:cSld>
     <p:spTree>
@@ -20443,7 +21428,7 @@
         </p:nvSpPr>
         <p:spPr>
           <a:xfrm>
-            <a:off x="8698857" y="2191453"/>
+            <a:off x="7394114" y="2245762"/>
             <a:ext cx="4625009" cy="646331"/>
           </a:xfrm>
           <a:prstGeom prst="rect">
@@ -20496,7 +21481,7 @@
         </p:nvSpPr>
         <p:spPr>
           <a:xfrm>
-            <a:off x="2802833" y="5090573"/>
+            <a:off x="3295401" y="5031709"/>
             <a:ext cx="4625009" cy="646331"/>
           </a:xfrm>
           <a:prstGeom prst="rect">
@@ -20557,7 +21542,7 @@
         </p:blipFill>
         <p:spPr>
           <a:xfrm>
-            <a:off x="7965151" y="2603463"/>
+            <a:off x="6660408" y="2657772"/>
             <a:ext cx="2833581" cy="1619189"/>
           </a:xfrm>
           <a:prstGeom prst="rect">
@@ -20647,7 +21632,7 @@
         </p:blipFill>
         <p:spPr>
           <a:xfrm>
-            <a:off x="4708249" y="4469760"/>
+            <a:off x="5200817" y="4410896"/>
             <a:ext cx="2082892" cy="1620027"/>
           </a:xfrm>
           <a:prstGeom prst="rect">
@@ -21059,7 +22044,7 @@
 </p:sld>
 </file>
 
-<file path=ppt/slides/slide7.xml><?xml version="1.0" encoding="utf-8"?>
+<file path=ppt/slides/slide8.xml><?xml version="1.0" encoding="utf-8"?>
 <p:sld xmlns:a="http://schemas.openxmlformats.org/drawingml/2006/main" xmlns:r="http://schemas.openxmlformats.org/officeDocument/2006/relationships" xmlns:p="http://schemas.openxmlformats.org/presentationml/2006/main">
   <p:cSld>
     <p:spTree>
@@ -21439,7 +22424,7 @@
 </p:sld>
 </file>
 
-<file path=ppt/slides/slide8.xml><?xml version="1.0" encoding="utf-8"?>
+<file path=ppt/slides/slide9.xml><?xml version="1.0" encoding="utf-8"?>
 <p:sld xmlns:a="http://schemas.openxmlformats.org/drawingml/2006/main" xmlns:r="http://schemas.openxmlformats.org/officeDocument/2006/relationships" xmlns:p="http://schemas.openxmlformats.org/presentationml/2006/main">
   <p:cSld>
     <p:spTree>
@@ -22164,424 +23149,6 @@
       <p:bldP spid="7" grpId="0"/>
     </p:bldLst>
   </p:timing>
-</p:sld>
-</file>
-
-<file path=ppt/slides/slide9.xml><?xml version="1.0" encoding="utf-8"?>
-<p:sld xmlns:a="http://schemas.openxmlformats.org/drawingml/2006/main" xmlns:r="http://schemas.openxmlformats.org/officeDocument/2006/relationships" xmlns:p="http://schemas.openxmlformats.org/presentationml/2006/main">
-  <p:cSld>
-    <p:spTree>
-      <p:nvGrpSpPr>
-        <p:cNvPr id="1" name=""/>
-        <p:cNvGrpSpPr/>
-        <p:nvPr/>
-      </p:nvGrpSpPr>
-      <p:grpSpPr>
-        <a:xfrm>
-          <a:off x="0" y="0"/>
-          <a:ext cx="0" cy="0"/>
-          <a:chOff x="0" y="0"/>
-          <a:chExt cx="0" cy="0"/>
-        </a:xfrm>
-      </p:grpSpPr>
-      <p:sp>
-        <p:nvSpPr>
-          <p:cNvPr id="14" name="Title 1">
-            <a:extLst>
-              <a:ext uri="{FF2B5EF4-FFF2-40B4-BE49-F238E27FC236}">
-                <a16:creationId xmlns:a16="http://schemas.microsoft.com/office/drawing/2014/main" id="{BE9989A6-DE47-4068-92A0-19EDB6E565C6}"/>
-              </a:ext>
-            </a:extLst>
-          </p:cNvPr>
-          <p:cNvSpPr txBox="1">
-            <a:spLocks/>
-          </p:cNvSpPr>
-          <p:nvPr/>
-        </p:nvSpPr>
-        <p:spPr>
-          <a:xfrm>
-            <a:off x="2515394" y="-132520"/>
-            <a:ext cx="7161212" cy="874643"/>
-          </a:xfrm>
-          <a:prstGeom prst="rect">
-            <a:avLst/>
-          </a:prstGeom>
-        </p:spPr>
-        <p:txBody>
-          <a:bodyPr vert="horz" lIns="91440" tIns="45720" rIns="91440" bIns="0" rtlCol="0" anchor="b">
-            <a:normAutofit fontScale="97500"/>
-          </a:bodyPr>
-          <a:lstStyle>
-            <a:lvl1pPr algn="l" defTabSz="914400" rtl="0" eaLnBrk="1" latinLnBrk="0" hangingPunct="1">
-              <a:lnSpc>
-                <a:spcPct val="90000"/>
-              </a:lnSpc>
-              <a:spcBef>
-                <a:spcPct val="0"/>
-              </a:spcBef>
-              <a:buNone/>
-              <a:defRPr sz="6600" b="0" i="0" kern="1200" cap="none">
-                <a:solidFill>
-                  <a:schemeClr val="tx1"/>
-                </a:solidFill>
-                <a:effectLst/>
-                <a:latin typeface="+mj-lt"/>
-                <a:ea typeface="+mj-ea"/>
-                <a:cs typeface="+mj-cs"/>
-              </a:defRPr>
-            </a:lvl1pPr>
-          </a:lstStyle>
-          <a:p>
-            <a:pPr algn="ctr"/>
-            <a:r>
-              <a:rPr lang="en-US" sz="5000" b="1" dirty="0">
-                <a:solidFill>
-                  <a:schemeClr val="accent2">
-                    <a:lumMod val="75000"/>
-                  </a:schemeClr>
-                </a:solidFill>
-              </a:rPr>
-              <a:t>Background</a:t>
-            </a:r>
-          </a:p>
-        </p:txBody>
-      </p:sp>
-      <p:sp>
-        <p:nvSpPr>
-          <p:cNvPr id="4" name="Subtitle 2">
-            <a:extLst>
-              <a:ext uri="{FF2B5EF4-FFF2-40B4-BE49-F238E27FC236}">
-                <a16:creationId xmlns:a16="http://schemas.microsoft.com/office/drawing/2014/main" id="{5F3D4A46-D59A-47F9-A68B-C6474245EEDE}"/>
-              </a:ext>
-            </a:extLst>
-          </p:cNvPr>
-          <p:cNvSpPr txBox="1">
-            <a:spLocks/>
-          </p:cNvSpPr>
-          <p:nvPr/>
-        </p:nvSpPr>
-        <p:spPr>
-          <a:xfrm>
-            <a:off x="0" y="1449459"/>
-            <a:ext cx="2343115" cy="1346750"/>
-          </a:xfrm>
-          <a:prstGeom prst="rect">
-            <a:avLst/>
-          </a:prstGeom>
-        </p:spPr>
-        <p:txBody>
-          <a:bodyPr vert="horz" lIns="91440" tIns="45720" rIns="91440" bIns="45720" rtlCol="0" anchor="t">
-            <a:normAutofit/>
-          </a:bodyPr>
-          <a:lstStyle>
-            <a:lvl1pPr marL="0" indent="0" algn="l" defTabSz="457200" rtl="0" eaLnBrk="1" latinLnBrk="0" hangingPunct="1">
-              <a:spcBef>
-                <a:spcPct val="20000"/>
-              </a:spcBef>
-              <a:spcAft>
-                <a:spcPts val="600"/>
-              </a:spcAft>
-              <a:buClr>
-                <a:schemeClr val="tx1"/>
-              </a:buClr>
-              <a:buSzPct val="80000"/>
-              <a:buFont typeface="Wingdings 3" panose="05040102010807070707" pitchFamily="18" charset="2"/>
-              <a:buNone/>
-              <a:defRPr sz="2100" kern="1200" cap="none">
-                <a:solidFill>
-                  <a:schemeClr val="bg2">
-                    <a:lumMod val="75000"/>
-                  </a:schemeClr>
-                </a:solidFill>
-                <a:effectLst/>
-                <a:latin typeface="+mn-lt"/>
-                <a:ea typeface="+mn-ea"/>
-                <a:cs typeface="+mn-cs"/>
-              </a:defRPr>
-            </a:lvl1pPr>
-            <a:lvl2pPr marL="457200" indent="0" algn="ctr" defTabSz="457200" rtl="0" eaLnBrk="1" latinLnBrk="0" hangingPunct="1">
-              <a:spcBef>
-                <a:spcPct val="20000"/>
-              </a:spcBef>
-              <a:spcAft>
-                <a:spcPts val="600"/>
-              </a:spcAft>
-              <a:buClr>
-                <a:schemeClr val="tx1"/>
-              </a:buClr>
-              <a:buSzPct val="80000"/>
-              <a:buFont typeface="Wingdings 3" panose="05040102010807070707" pitchFamily="18" charset="2"/>
-              <a:buNone/>
-              <a:defRPr sz="1800" kern="1200" cap="none">
-                <a:solidFill>
-                  <a:schemeClr val="tx1">
-                    <a:tint val="75000"/>
-                  </a:schemeClr>
-                </a:solidFill>
-                <a:effectLst/>
-                <a:latin typeface="+mn-lt"/>
-                <a:ea typeface="+mn-ea"/>
-                <a:cs typeface="+mn-cs"/>
-              </a:defRPr>
-            </a:lvl2pPr>
-            <a:lvl3pPr marL="914400" indent="0" algn="ctr" defTabSz="457200" rtl="0" eaLnBrk="1" latinLnBrk="0" hangingPunct="1">
-              <a:spcBef>
-                <a:spcPct val="20000"/>
-              </a:spcBef>
-              <a:spcAft>
-                <a:spcPts val="600"/>
-              </a:spcAft>
-              <a:buClr>
-                <a:schemeClr val="tx1"/>
-              </a:buClr>
-              <a:buSzPct val="80000"/>
-              <a:buFont typeface="Wingdings 3" panose="05040102010807070707" pitchFamily="18" charset="2"/>
-              <a:buNone/>
-              <a:defRPr sz="1600" kern="1200" cap="none">
-                <a:solidFill>
-                  <a:schemeClr val="tx1">
-                    <a:tint val="75000"/>
-                  </a:schemeClr>
-                </a:solidFill>
-                <a:effectLst/>
-                <a:latin typeface="+mn-lt"/>
-                <a:ea typeface="+mn-ea"/>
-                <a:cs typeface="+mn-cs"/>
-              </a:defRPr>
-            </a:lvl3pPr>
-            <a:lvl4pPr marL="1371600" indent="0" algn="ctr" defTabSz="457200" rtl="0" eaLnBrk="1" latinLnBrk="0" hangingPunct="1">
-              <a:spcBef>
-                <a:spcPct val="20000"/>
-              </a:spcBef>
-              <a:spcAft>
-                <a:spcPts val="600"/>
-              </a:spcAft>
-              <a:buClr>
-                <a:schemeClr val="tx1"/>
-              </a:buClr>
-              <a:buSzPct val="80000"/>
-              <a:buFont typeface="Wingdings 3" panose="05040102010807070707" pitchFamily="18" charset="2"/>
-              <a:buNone/>
-              <a:defRPr sz="1400" kern="1200" cap="none">
-                <a:solidFill>
-                  <a:schemeClr val="tx1">
-                    <a:tint val="75000"/>
-                  </a:schemeClr>
-                </a:solidFill>
-                <a:effectLst/>
-                <a:latin typeface="+mn-lt"/>
-                <a:ea typeface="+mn-ea"/>
-                <a:cs typeface="+mn-cs"/>
-              </a:defRPr>
-            </a:lvl4pPr>
-            <a:lvl5pPr marL="1828800" indent="0" algn="ctr" defTabSz="457200" rtl="0" eaLnBrk="1" latinLnBrk="0" hangingPunct="1">
-              <a:spcBef>
-                <a:spcPct val="20000"/>
-              </a:spcBef>
-              <a:spcAft>
-                <a:spcPts val="600"/>
-              </a:spcAft>
-              <a:buClr>
-                <a:schemeClr val="tx1"/>
-              </a:buClr>
-              <a:buSzPct val="80000"/>
-              <a:buFont typeface="Wingdings 3" panose="05040102010807070707" pitchFamily="18" charset="2"/>
-              <a:buNone/>
-              <a:defRPr sz="1400" kern="1200" cap="none">
-                <a:solidFill>
-                  <a:schemeClr val="tx1">
-                    <a:tint val="75000"/>
-                  </a:schemeClr>
-                </a:solidFill>
-                <a:effectLst/>
-                <a:latin typeface="+mn-lt"/>
-                <a:ea typeface="+mn-ea"/>
-                <a:cs typeface="+mn-cs"/>
-              </a:defRPr>
-            </a:lvl5pPr>
-            <a:lvl6pPr marL="2286000" indent="0" algn="ctr" defTabSz="457200" rtl="0" eaLnBrk="1" latinLnBrk="0" hangingPunct="1">
-              <a:spcBef>
-                <a:spcPct val="20000"/>
-              </a:spcBef>
-              <a:spcAft>
-                <a:spcPts val="600"/>
-              </a:spcAft>
-              <a:buClr>
-                <a:schemeClr val="tx1"/>
-              </a:buClr>
-              <a:buSzPct val="80000"/>
-              <a:buFont typeface="Wingdings 3" panose="05040102010807070707" pitchFamily="18" charset="2"/>
-              <a:buNone/>
-              <a:defRPr sz="1400" kern="1200" cap="none">
-                <a:solidFill>
-                  <a:schemeClr val="tx1">
-                    <a:tint val="75000"/>
-                  </a:schemeClr>
-                </a:solidFill>
-                <a:effectLst/>
-                <a:latin typeface="+mn-lt"/>
-                <a:ea typeface="+mn-ea"/>
-                <a:cs typeface="+mn-cs"/>
-              </a:defRPr>
-            </a:lvl6pPr>
-            <a:lvl7pPr marL="2743200" indent="0" algn="ctr" defTabSz="457200" rtl="0" eaLnBrk="1" latinLnBrk="0" hangingPunct="1">
-              <a:spcBef>
-                <a:spcPct val="20000"/>
-              </a:spcBef>
-              <a:spcAft>
-                <a:spcPts val="600"/>
-              </a:spcAft>
-              <a:buClr>
-                <a:schemeClr val="tx1"/>
-              </a:buClr>
-              <a:buSzPct val="80000"/>
-              <a:buFont typeface="Wingdings 3" panose="05040102010807070707" pitchFamily="18" charset="2"/>
-              <a:buNone/>
-              <a:defRPr sz="1400" kern="1200" cap="none">
-                <a:solidFill>
-                  <a:schemeClr val="tx1">
-                    <a:tint val="75000"/>
-                  </a:schemeClr>
-                </a:solidFill>
-                <a:effectLst/>
-                <a:latin typeface="+mn-lt"/>
-                <a:ea typeface="+mn-ea"/>
-                <a:cs typeface="+mn-cs"/>
-              </a:defRPr>
-            </a:lvl7pPr>
-            <a:lvl8pPr marL="3200400" indent="0" algn="ctr" defTabSz="457200" rtl="0" eaLnBrk="1" latinLnBrk="0" hangingPunct="1">
-              <a:spcBef>
-                <a:spcPct val="20000"/>
-              </a:spcBef>
-              <a:spcAft>
-                <a:spcPts val="600"/>
-              </a:spcAft>
-              <a:buClr>
-                <a:schemeClr val="tx1"/>
-              </a:buClr>
-              <a:buSzPct val="80000"/>
-              <a:buFont typeface="Wingdings 3" panose="05040102010807070707" pitchFamily="18" charset="2"/>
-              <a:buNone/>
-              <a:defRPr sz="1400" kern="1200" cap="none">
-                <a:solidFill>
-                  <a:schemeClr val="tx1">
-                    <a:tint val="75000"/>
-                  </a:schemeClr>
-                </a:solidFill>
-                <a:effectLst/>
-                <a:latin typeface="+mn-lt"/>
-                <a:ea typeface="+mn-ea"/>
-                <a:cs typeface="+mn-cs"/>
-              </a:defRPr>
-            </a:lvl8pPr>
-            <a:lvl9pPr marL="3657600" indent="0" algn="ctr" defTabSz="457200" rtl="0" eaLnBrk="1" latinLnBrk="0" hangingPunct="1">
-              <a:spcBef>
-                <a:spcPct val="20000"/>
-              </a:spcBef>
-              <a:spcAft>
-                <a:spcPts val="600"/>
-              </a:spcAft>
-              <a:buClr>
-                <a:schemeClr val="tx1"/>
-              </a:buClr>
-              <a:buSzPct val="80000"/>
-              <a:buFont typeface="Wingdings 3" panose="05040102010807070707" pitchFamily="18" charset="2"/>
-              <a:buNone/>
-              <a:defRPr sz="1400" kern="1200" cap="none">
-                <a:solidFill>
-                  <a:schemeClr val="tx1">
-                    <a:tint val="75000"/>
-                  </a:schemeClr>
-                </a:solidFill>
-                <a:effectLst/>
-                <a:latin typeface="+mn-lt"/>
-                <a:ea typeface="+mn-ea"/>
-                <a:cs typeface="+mn-cs"/>
-              </a:defRPr>
-            </a:lvl9pPr>
-          </a:lstStyle>
-          <a:p>
-            <a:r>
-              <a:rPr lang="en-US" sz="3000" b="1" dirty="0">
-                <a:solidFill>
-                  <a:srgbClr val="FF0000"/>
-                </a:solidFill>
-                <a:latin typeface="Aharoni" panose="020B0604020202020204" pitchFamily="2" charset="-79"/>
-                <a:cs typeface="Aharoni" panose="020B0604020202020204" pitchFamily="2" charset="-79"/>
-              </a:rPr>
-              <a:t>Flux architecture</a:t>
-            </a:r>
-            <a:endParaRPr lang="en-US" sz="3000" dirty="0">
-              <a:solidFill>
-                <a:srgbClr val="FF0000"/>
-              </a:solidFill>
-              <a:latin typeface="Aharoni" panose="020B0604020202020204" pitchFamily="2" charset="-79"/>
-              <a:cs typeface="Aharoni" panose="020B0604020202020204" pitchFamily="2" charset="-79"/>
-            </a:endParaRPr>
-          </a:p>
-        </p:txBody>
-      </p:sp>
-      <p:pic>
-        <p:nvPicPr>
-          <p:cNvPr id="7" name="Picture 6" descr="https://static.reactvn.org/original/1X/bea74b5c8b657ad261153d2110c7b27fa93a39ab.png">
-            <a:extLst>
-              <a:ext uri="{FF2B5EF4-FFF2-40B4-BE49-F238E27FC236}">
-                <a16:creationId xmlns:a16="http://schemas.microsoft.com/office/drawing/2014/main" id="{C212FBDD-1FCC-4C16-9FCC-29C6A9128F9D}"/>
-              </a:ext>
-            </a:extLst>
-          </p:cNvPr>
-          <p:cNvPicPr/>
-          <p:nvPr/>
-        </p:nvPicPr>
-        <p:blipFill>
-          <a:blip r:embed="rId2">
-            <a:extLst>
-              <a:ext uri="{28A0092B-C50C-407E-A947-70E740481C1C}">
-                <a14:useLocalDpi xmlns:a14="http://schemas.microsoft.com/office/drawing/2010/main" val="0"/>
-              </a:ext>
-            </a:extLst>
-          </a:blip>
-          <a:srcRect/>
-          <a:stretch>
-            <a:fillRect/>
-          </a:stretch>
-        </p:blipFill>
-        <p:spPr bwMode="auto">
-          <a:xfrm>
-            <a:off x="2316611" y="791817"/>
-            <a:ext cx="8696103" cy="4174435"/>
-          </a:xfrm>
-          <a:prstGeom prst="rect">
-            <a:avLst/>
-          </a:prstGeom>
-          <a:noFill/>
-          <a:ln>
-            <a:noFill/>
-          </a:ln>
-        </p:spPr>
-      </p:pic>
-    </p:spTree>
-    <p:extLst>
-      <p:ext uri="{BB962C8B-B14F-4D97-AF65-F5344CB8AC3E}">
-        <p14:creationId xmlns:p14="http://schemas.microsoft.com/office/powerpoint/2010/main" val="2328477841"/>
-      </p:ext>
-    </p:extLst>
-  </p:cSld>
-  <p:clrMapOvr>
-    <a:masterClrMapping/>
-  </p:clrMapOvr>
-  <mc:AlternateContent xmlns:mc="http://schemas.openxmlformats.org/markup-compatibility/2006">
-    <mc:Choice xmlns:p14="http://schemas.microsoft.com/office/powerpoint/2010/main" Requires="p14">
-      <p:transition>
-        <p14:reveal/>
-      </p:transition>
-    </mc:Choice>
-    <mc:Fallback>
-      <p:transition>
-        <p:fade/>
-      </p:transition>
-    </mc:Fallback>
-  </mc:AlternateContent>
 </p:sld>
 </file>
 
